--- a/과제PPT/기업업무 2강.pptx
+++ b/과제PPT/기업업무 2강.pptx
@@ -34,6 +34,8 @@
     <p:sldId id="292" r:id="rId28"/>
     <p:sldId id="293" r:id="rId29"/>
     <p:sldId id="294" r:id="rId30"/>
+    <p:sldId id="299" r:id="rId31"/>
+    <p:sldId id="300" r:id="rId32"/>
   </p:sldIdLst>
   <p:sldSz cx="12192000" cy="6858000"/>
   <p:notesSz cx="6858000" cy="9144000"/>
@@ -352,7 +354,7 @@
             <a:fld id="{96DFF08F-DC6B-4601-B491-B0F83F6DD2DA}" type="datetimeFigureOut">
               <a:rPr lang="en-US" dirty="0"/>
               <a:pPr/>
-              <a:t>5/15/2023</a:t>
+              <a:t>5/19/2023</a:t>
             </a:fld>
             <a:endParaRPr lang="en-US" dirty="0"/>
           </a:p>
@@ -569,7 +571,7 @@
           <a:p>
             <a:fld id="{96DFF08F-DC6B-4601-B491-B0F83F6DD2DA}" type="datetimeFigureOut">
               <a:rPr lang="en-US" dirty="0"/>
-              <a:t>5/15/2023</a:t>
+              <a:t>5/19/2023</a:t>
             </a:fld>
             <a:endParaRPr lang="en-US" dirty="0"/>
           </a:p>
@@ -744,7 +746,7 @@
           <a:p>
             <a:fld id="{96DFF08F-DC6B-4601-B491-B0F83F6DD2DA}" type="datetimeFigureOut">
               <a:rPr lang="en-US" dirty="0"/>
-              <a:t>5/15/2023</a:t>
+              <a:t>5/19/2023</a:t>
             </a:fld>
             <a:endParaRPr lang="en-US" dirty="0"/>
           </a:p>
@@ -909,7 +911,7 @@
           <a:p>
             <a:fld id="{96DFF08F-DC6B-4601-B491-B0F83F6DD2DA}" type="datetimeFigureOut">
               <a:rPr lang="en-US" dirty="0"/>
-              <a:t>5/15/2023</a:t>
+              <a:t>5/19/2023</a:t>
             </a:fld>
             <a:endParaRPr lang="en-US" dirty="0"/>
           </a:p>
@@ -1178,7 +1180,7 @@
           <a:p>
             <a:fld id="{96DFF08F-DC6B-4601-B491-B0F83F6DD2DA}" type="datetimeFigureOut">
               <a:rPr lang="en-US" dirty="0"/>
-              <a:t>5/15/2023</a:t>
+              <a:t>5/19/2023</a:t>
             </a:fld>
             <a:endParaRPr lang="en-US" dirty="0"/>
           </a:p>
@@ -1496,7 +1498,7 @@
           <a:p>
             <a:fld id="{96DFF08F-DC6B-4601-B491-B0F83F6DD2DA}" type="datetimeFigureOut">
               <a:rPr lang="en-US" dirty="0"/>
-              <a:t>5/15/2023</a:t>
+              <a:t>5/19/2023</a:t>
             </a:fld>
             <a:endParaRPr lang="en-US" dirty="0"/>
           </a:p>
@@ -1915,7 +1917,7 @@
           <a:p>
             <a:fld id="{96DFF08F-DC6B-4601-B491-B0F83F6DD2DA}" type="datetimeFigureOut">
               <a:rPr lang="en-US" dirty="0"/>
-              <a:t>5/15/2023</a:t>
+              <a:t>5/19/2023</a:t>
             </a:fld>
             <a:endParaRPr lang="en-US" dirty="0"/>
           </a:p>
@@ -2028,7 +2030,7 @@
           <a:p>
             <a:fld id="{96DFF08F-DC6B-4601-B491-B0F83F6DD2DA}" type="datetimeFigureOut">
               <a:rPr lang="en-US" dirty="0"/>
-              <a:t>5/15/2023</a:t>
+              <a:t>5/19/2023</a:t>
             </a:fld>
             <a:endParaRPr lang="en-US" dirty="0"/>
           </a:p>
@@ -2118,7 +2120,7 @@
           <a:p>
             <a:fld id="{96DFF08F-DC6B-4601-B491-B0F83F6DD2DA}" type="datetimeFigureOut">
               <a:rPr lang="en-US" dirty="0"/>
-              <a:t>5/15/2023</a:t>
+              <a:t>5/19/2023</a:t>
             </a:fld>
             <a:endParaRPr lang="en-US" dirty="0"/>
           </a:p>
@@ -2403,7 +2405,7 @@
           <a:p>
             <a:fld id="{96DFF08F-DC6B-4601-B491-B0F83F6DD2DA}" type="datetimeFigureOut">
               <a:rPr lang="en-US" dirty="0"/>
-              <a:t>5/15/2023</a:t>
+              <a:t>5/19/2023</a:t>
             </a:fld>
             <a:endParaRPr lang="en-US" dirty="0"/>
           </a:p>
@@ -2670,7 +2672,7 @@
           <a:p>
             <a:fld id="{96DFF08F-DC6B-4601-B491-B0F83F6DD2DA}" type="datetimeFigureOut">
               <a:rPr lang="en-US" dirty="0"/>
-              <a:t>5/15/2023</a:t>
+              <a:t>5/19/2023</a:t>
             </a:fld>
             <a:endParaRPr lang="en-US" dirty="0"/>
           </a:p>
@@ -2920,7 +2922,7 @@
             <a:fld id="{96DFF08F-DC6B-4601-B491-B0F83F6DD2DA}" type="datetimeFigureOut">
               <a:rPr lang="en-US" dirty="0"/>
               <a:pPr/>
-              <a:t>5/15/2023</a:t>
+              <a:t>5/19/2023</a:t>
             </a:fld>
             <a:endParaRPr lang="en-US" dirty="0"/>
           </a:p>
@@ -3605,36 +3607,12 @@
           <a:chExt cx="0" cy="0"/>
         </a:xfrm>
       </p:grpSpPr>
-      <p:pic>
-        <p:nvPicPr>
-          <p:cNvPr id="3" name="그림 2"/>
-          <p:cNvPicPr>
-            <a:picLocks noChangeAspect="1"/>
-          </p:cNvPicPr>
-          <p:nvPr/>
-        </p:nvPicPr>
-        <p:blipFill>
-          <a:blip r:embed="rId2"/>
-          <a:stretch>
-            <a:fillRect/>
-          </a:stretch>
-        </p:blipFill>
-        <p:spPr>
-          <a:xfrm>
-            <a:off x="479323" y="1151730"/>
-            <a:ext cx="5849759" cy="5407416"/>
-          </a:xfrm>
-          <a:prstGeom prst="rect">
-            <a:avLst/>
-          </a:prstGeom>
-        </p:spPr>
-      </p:pic>
       <p:sp>
         <p:nvSpPr>
           <p:cNvPr id="2" name="제목 1">
             <a:extLst>
               <a:ext uri="{FF2B5EF4-FFF2-40B4-BE49-F238E27FC236}">
-                <a16:creationId xmlns="" xmlns:a16="http://schemas.microsoft.com/office/drawing/2014/main" id="{635C47BF-19DD-7A68-913E-EF8F14DBA234}"/>
+                <a16:creationId xmlns:a16="http://schemas.microsoft.com/office/drawing/2014/main" xmlns="" id="{635C47BF-19DD-7A68-913E-EF8F14DBA234}"/>
               </a:ext>
             </a:extLst>
           </p:cNvPr>
@@ -3673,9 +3651,6 @@
               </a:rPr>
               <a:t>색 활용</a:t>
             </a:r>
-            <a:endParaRPr lang="ko-KR" altLang="en-US" sz="3200" dirty="0">
-              <a:latin typeface="+mj-ea"/>
-            </a:endParaRPr>
           </a:p>
         </p:txBody>
       </p:sp>
@@ -3684,7 +3659,7 @@
           <p:cNvPr id="7" name="화살표: 오른쪽 6">
             <a:extLst>
               <a:ext uri="{FF2B5EF4-FFF2-40B4-BE49-F238E27FC236}">
-                <a16:creationId xmlns="" xmlns:a16="http://schemas.microsoft.com/office/drawing/2014/main" id="{377F6EB9-04DD-E48B-35F4-1FDC8C656B50}"/>
+                <a16:creationId xmlns:a16="http://schemas.microsoft.com/office/drawing/2014/main" xmlns="" id="{377F6EB9-04DD-E48B-35F4-1FDC8C656B50}"/>
               </a:ext>
             </a:extLst>
           </p:cNvPr>
@@ -3730,7 +3705,7 @@
           <p:cNvPr id="8" name="TextBox 7">
             <a:extLst>
               <a:ext uri="{FF2B5EF4-FFF2-40B4-BE49-F238E27FC236}">
-                <a16:creationId xmlns="" xmlns:a16="http://schemas.microsoft.com/office/drawing/2014/main" id="{9EACEF18-3773-C1E3-C895-16E79BA820EE}"/>
+                <a16:creationId xmlns:a16="http://schemas.microsoft.com/office/drawing/2014/main" xmlns="" id="{9EACEF18-3773-C1E3-C895-16E79BA820EE}"/>
               </a:ext>
             </a:extLst>
           </p:cNvPr>
@@ -3788,6 +3763,30 @@
       <p:pic>
         <p:nvPicPr>
           <p:cNvPr id="4" name="그림 3"/>
+          <p:cNvPicPr>
+            <a:picLocks noChangeAspect="1"/>
+          </p:cNvPicPr>
+          <p:nvPr/>
+        </p:nvPicPr>
+        <p:blipFill>
+          <a:blip r:embed="rId2"/>
+          <a:stretch>
+            <a:fillRect/>
+          </a:stretch>
+        </p:blipFill>
+        <p:spPr>
+          <a:xfrm>
+            <a:off x="7243995" y="3929879"/>
+            <a:ext cx="4696480" cy="2629267"/>
+          </a:xfrm>
+          <a:prstGeom prst="rect">
+            <a:avLst/>
+          </a:prstGeom>
+        </p:spPr>
+      </p:pic>
+      <p:pic>
+        <p:nvPicPr>
+          <p:cNvPr id="5" name="그림 4"/>
           <p:cNvPicPr>
             <a:picLocks noChangeAspect="1"/>
           </p:cNvPicPr>
@@ -3801,8 +3800,8 @@
         </p:blipFill>
         <p:spPr>
           <a:xfrm>
-            <a:off x="7243995" y="3929879"/>
-            <a:ext cx="4696480" cy="2629267"/>
+            <a:off x="479322" y="1032387"/>
+            <a:ext cx="4930877" cy="5499044"/>
           </a:xfrm>
           <a:prstGeom prst="rect">
             <a:avLst/>
@@ -3839,36 +3838,12 @@
           <a:chExt cx="0" cy="0"/>
         </a:xfrm>
       </p:grpSpPr>
-      <p:pic>
-        <p:nvPicPr>
-          <p:cNvPr id="3" name="그림 2"/>
-          <p:cNvPicPr>
-            <a:picLocks noChangeAspect="1"/>
-          </p:cNvPicPr>
-          <p:nvPr/>
-        </p:nvPicPr>
-        <p:blipFill>
-          <a:blip r:embed="rId2"/>
-          <a:stretch>
-            <a:fillRect/>
-          </a:stretch>
-        </p:blipFill>
-        <p:spPr>
-          <a:xfrm>
-            <a:off x="335888" y="1469861"/>
-            <a:ext cx="11469701" cy="5029902"/>
-          </a:xfrm>
-          <a:prstGeom prst="rect">
-            <a:avLst/>
-          </a:prstGeom>
-        </p:spPr>
-      </p:pic>
       <p:sp>
         <p:nvSpPr>
           <p:cNvPr id="2" name="제목 1">
             <a:extLst>
               <a:ext uri="{FF2B5EF4-FFF2-40B4-BE49-F238E27FC236}">
-                <a16:creationId xmlns="" xmlns:a16="http://schemas.microsoft.com/office/drawing/2014/main" id="{635C47BF-19DD-7A68-913E-EF8F14DBA234}"/>
+                <a16:creationId xmlns:a16="http://schemas.microsoft.com/office/drawing/2014/main" xmlns="" id="{635C47BF-19DD-7A68-913E-EF8F14DBA234}"/>
               </a:ext>
             </a:extLst>
           </p:cNvPr>
@@ -3901,12 +3876,33 @@
               </a:rPr>
               <a:t>텍스트 꾸미기</a:t>
             </a:r>
-            <a:endParaRPr lang="ko-KR" altLang="en-US" sz="3200" dirty="0">
-              <a:latin typeface="+mj-ea"/>
-            </a:endParaRPr>
-          </a:p>
-        </p:txBody>
-      </p:sp>
+          </a:p>
+        </p:txBody>
+      </p:sp>
+      <p:pic>
+        <p:nvPicPr>
+          <p:cNvPr id="4" name="그림 3"/>
+          <p:cNvPicPr>
+            <a:picLocks noChangeAspect="1"/>
+          </p:cNvPicPr>
+          <p:nvPr/>
+        </p:nvPicPr>
+        <p:blipFill>
+          <a:blip r:embed="rId2"/>
+          <a:stretch>
+            <a:fillRect/>
+          </a:stretch>
+        </p:blipFill>
+        <p:spPr>
+          <a:xfrm>
+            <a:off x="479323" y="1032387"/>
+            <a:ext cx="10588727" cy="5447995"/>
+          </a:xfrm>
+          <a:prstGeom prst="rect">
+            <a:avLst/>
+          </a:prstGeom>
+        </p:spPr>
+      </p:pic>
     </p:spTree>
     <p:extLst>
       <p:ext uri="{BB962C8B-B14F-4D97-AF65-F5344CB8AC3E}">
@@ -3966,7 +3962,7 @@
           <p:cNvPr id="3" name="화살표: 오른쪽 6">
             <a:extLst>
               <a:ext uri="{FF2B5EF4-FFF2-40B4-BE49-F238E27FC236}">
-                <a16:creationId xmlns="" xmlns:a16="http://schemas.microsoft.com/office/drawing/2014/main" id="{377F6EB9-04DD-E48B-35F4-1FDC8C656B50}"/>
+                <a16:creationId xmlns:a16="http://schemas.microsoft.com/office/drawing/2014/main" xmlns="" id="{377F6EB9-04DD-E48B-35F4-1FDC8C656B50}"/>
               </a:ext>
             </a:extLst>
           </p:cNvPr>
@@ -4012,7 +4008,7 @@
           <p:cNvPr id="4" name="TextBox 3">
             <a:extLst>
               <a:ext uri="{FF2B5EF4-FFF2-40B4-BE49-F238E27FC236}">
-                <a16:creationId xmlns="" xmlns:a16="http://schemas.microsoft.com/office/drawing/2014/main" id="{9EACEF18-3773-C1E3-C895-16E79BA820EE}"/>
+                <a16:creationId xmlns:a16="http://schemas.microsoft.com/office/drawing/2014/main" xmlns="" id="{9EACEF18-3773-C1E3-C895-16E79BA820EE}"/>
               </a:ext>
             </a:extLst>
           </p:cNvPr>
@@ -4097,36 +4093,12 @@
           <a:chExt cx="0" cy="0"/>
         </a:xfrm>
       </p:grpSpPr>
-      <p:pic>
-        <p:nvPicPr>
-          <p:cNvPr id="3" name="그림 2"/>
-          <p:cNvPicPr>
-            <a:picLocks noChangeAspect="1"/>
-          </p:cNvPicPr>
-          <p:nvPr/>
-        </p:nvPicPr>
-        <p:blipFill>
-          <a:blip r:embed="rId2"/>
-          <a:stretch>
-            <a:fillRect/>
-          </a:stretch>
-        </p:blipFill>
-        <p:spPr>
-          <a:xfrm>
-            <a:off x="479323" y="1300160"/>
-            <a:ext cx="6306430" cy="5220429"/>
-          </a:xfrm>
-          <a:prstGeom prst="rect">
-            <a:avLst/>
-          </a:prstGeom>
-        </p:spPr>
-      </p:pic>
       <p:sp>
         <p:nvSpPr>
           <p:cNvPr id="2" name="제목 1">
             <a:extLst>
               <a:ext uri="{FF2B5EF4-FFF2-40B4-BE49-F238E27FC236}">
-                <a16:creationId xmlns="" xmlns:a16="http://schemas.microsoft.com/office/drawing/2014/main" id="{635C47BF-19DD-7A68-913E-EF8F14DBA234}"/>
+                <a16:creationId xmlns:a16="http://schemas.microsoft.com/office/drawing/2014/main" xmlns="" id="{635C47BF-19DD-7A68-913E-EF8F14DBA234}"/>
               </a:ext>
             </a:extLst>
           </p:cNvPr>
@@ -4165,9 +4137,6 @@
               </a:rPr>
               <a:t>폰트 활용</a:t>
             </a:r>
-            <a:endParaRPr lang="ko-KR" altLang="en-US" sz="3200" dirty="0">
-              <a:latin typeface="+mj-ea"/>
-            </a:endParaRPr>
           </a:p>
         </p:txBody>
       </p:sp>
@@ -4176,7 +4145,7 @@
           <p:cNvPr id="7" name="화살표: 오른쪽 6">
             <a:extLst>
               <a:ext uri="{FF2B5EF4-FFF2-40B4-BE49-F238E27FC236}">
-                <a16:creationId xmlns="" xmlns:a16="http://schemas.microsoft.com/office/drawing/2014/main" id="{377F6EB9-04DD-E48B-35F4-1FDC8C656B50}"/>
+                <a16:creationId xmlns:a16="http://schemas.microsoft.com/office/drawing/2014/main" xmlns="" id="{377F6EB9-04DD-E48B-35F4-1FDC8C656B50}"/>
               </a:ext>
             </a:extLst>
           </p:cNvPr>
@@ -4222,7 +4191,7 @@
           <p:cNvPr id="8" name="TextBox 7">
             <a:extLst>
               <a:ext uri="{FF2B5EF4-FFF2-40B4-BE49-F238E27FC236}">
-                <a16:creationId xmlns="" xmlns:a16="http://schemas.microsoft.com/office/drawing/2014/main" id="{9EACEF18-3773-C1E3-C895-16E79BA820EE}"/>
+                <a16:creationId xmlns:a16="http://schemas.microsoft.com/office/drawing/2014/main" xmlns="" id="{9EACEF18-3773-C1E3-C895-16E79BA820EE}"/>
               </a:ext>
             </a:extLst>
           </p:cNvPr>
@@ -4280,6 +4249,30 @@
       <p:pic>
         <p:nvPicPr>
           <p:cNvPr id="4" name="그림 3"/>
+          <p:cNvPicPr>
+            <a:picLocks noChangeAspect="1"/>
+          </p:cNvPicPr>
+          <p:nvPr/>
+        </p:nvPicPr>
+        <p:blipFill>
+          <a:blip r:embed="rId2"/>
+          <a:stretch>
+            <a:fillRect/>
+          </a:stretch>
+        </p:blipFill>
+        <p:spPr>
+          <a:xfrm>
+            <a:off x="7610626" y="2810922"/>
+            <a:ext cx="4277966" cy="3715384"/>
+          </a:xfrm>
+          <a:prstGeom prst="rect">
+            <a:avLst/>
+          </a:prstGeom>
+        </p:spPr>
+      </p:pic>
+      <p:pic>
+        <p:nvPicPr>
+          <p:cNvPr id="5" name="그림 4"/>
           <p:cNvPicPr>
             <a:picLocks noChangeAspect="1"/>
           </p:cNvPicPr>
@@ -4293,8 +4286,8 @@
         </p:blipFill>
         <p:spPr>
           <a:xfrm>
-            <a:off x="7610626" y="2810922"/>
-            <a:ext cx="4277966" cy="3715384"/>
+            <a:off x="479322" y="1032387"/>
+            <a:ext cx="5140427" cy="5482410"/>
           </a:xfrm>
           <a:prstGeom prst="rect">
             <a:avLst/>
@@ -4331,36 +4324,12 @@
           <a:chExt cx="0" cy="0"/>
         </a:xfrm>
       </p:grpSpPr>
-      <p:pic>
-        <p:nvPicPr>
-          <p:cNvPr id="3" name="그림 2"/>
-          <p:cNvPicPr>
-            <a:picLocks noChangeAspect="1"/>
-          </p:cNvPicPr>
-          <p:nvPr/>
-        </p:nvPicPr>
-        <p:blipFill>
-          <a:blip r:embed="rId2"/>
-          <a:stretch>
-            <a:fillRect/>
-          </a:stretch>
-        </p:blipFill>
-        <p:spPr>
-          <a:xfrm>
-            <a:off x="479323" y="1244306"/>
-            <a:ext cx="6912435" cy="5084775"/>
-          </a:xfrm>
-          <a:prstGeom prst="rect">
-            <a:avLst/>
-          </a:prstGeom>
-        </p:spPr>
-      </p:pic>
       <p:sp>
         <p:nvSpPr>
           <p:cNvPr id="2" name="제목 1">
             <a:extLst>
               <a:ext uri="{FF2B5EF4-FFF2-40B4-BE49-F238E27FC236}">
-                <a16:creationId xmlns="" xmlns:a16="http://schemas.microsoft.com/office/drawing/2014/main" id="{635C47BF-19DD-7A68-913E-EF8F14DBA234}"/>
+                <a16:creationId xmlns:a16="http://schemas.microsoft.com/office/drawing/2014/main" xmlns="" id="{635C47BF-19DD-7A68-913E-EF8F14DBA234}"/>
               </a:ext>
             </a:extLst>
           </p:cNvPr>
@@ -4411,9 +4380,6 @@
               </a:rPr>
               <a:t>박스 모델</a:t>
             </a:r>
-            <a:endParaRPr lang="ko-KR" altLang="en-US" sz="3200" dirty="0">
-              <a:latin typeface="+mj-ea"/>
-            </a:endParaRPr>
           </a:p>
         </p:txBody>
       </p:sp>
@@ -4422,7 +4388,7 @@
           <p:cNvPr id="7" name="화살표: 오른쪽 6">
             <a:extLst>
               <a:ext uri="{FF2B5EF4-FFF2-40B4-BE49-F238E27FC236}">
-                <a16:creationId xmlns="" xmlns:a16="http://schemas.microsoft.com/office/drawing/2014/main" id="{377F6EB9-04DD-E48B-35F4-1FDC8C656B50}"/>
+                <a16:creationId xmlns:a16="http://schemas.microsoft.com/office/drawing/2014/main" xmlns="" id="{377F6EB9-04DD-E48B-35F4-1FDC8C656B50}"/>
               </a:ext>
             </a:extLst>
           </p:cNvPr>
@@ -4468,7 +4434,7 @@
           <p:cNvPr id="8" name="TextBox 7">
             <a:extLst>
               <a:ext uri="{FF2B5EF4-FFF2-40B4-BE49-F238E27FC236}">
-                <a16:creationId xmlns="" xmlns:a16="http://schemas.microsoft.com/office/drawing/2014/main" id="{9EACEF18-3773-C1E3-C895-16E79BA820EE}"/>
+                <a16:creationId xmlns:a16="http://schemas.microsoft.com/office/drawing/2014/main" xmlns="" id="{9EACEF18-3773-C1E3-C895-16E79BA820EE}"/>
               </a:ext>
             </a:extLst>
           </p:cNvPr>
@@ -4526,6 +4492,30 @@
       <p:pic>
         <p:nvPicPr>
           <p:cNvPr id="4" name="그림 3"/>
+          <p:cNvPicPr>
+            <a:picLocks noChangeAspect="1"/>
+          </p:cNvPicPr>
+          <p:nvPr/>
+        </p:nvPicPr>
+        <p:blipFill>
+          <a:blip r:embed="rId2"/>
+          <a:stretch>
+            <a:fillRect/>
+          </a:stretch>
+        </p:blipFill>
+        <p:spPr>
+          <a:xfrm>
+            <a:off x="7809579" y="4903583"/>
+            <a:ext cx="4018224" cy="1578007"/>
+          </a:xfrm>
+          <a:prstGeom prst="rect">
+            <a:avLst/>
+          </a:prstGeom>
+        </p:spPr>
+      </p:pic>
+      <p:pic>
+        <p:nvPicPr>
+          <p:cNvPr id="5" name="그림 4"/>
           <p:cNvPicPr>
             <a:picLocks noChangeAspect="1"/>
           </p:cNvPicPr>
@@ -4539,8 +4529,8 @@
         </p:blipFill>
         <p:spPr>
           <a:xfrm>
-            <a:off x="7809579" y="4903583"/>
-            <a:ext cx="4018224" cy="1578007"/>
+            <a:off x="479322" y="1032387"/>
+            <a:ext cx="5673827" cy="5479752"/>
           </a:xfrm>
           <a:prstGeom prst="rect">
             <a:avLst/>
@@ -4577,36 +4567,12 @@
           <a:chExt cx="0" cy="0"/>
         </a:xfrm>
       </p:grpSpPr>
-      <p:pic>
-        <p:nvPicPr>
-          <p:cNvPr id="3" name="그림 2"/>
-          <p:cNvPicPr>
-            <a:picLocks noChangeAspect="1"/>
-          </p:cNvPicPr>
-          <p:nvPr/>
-        </p:nvPicPr>
-        <p:blipFill>
-          <a:blip r:embed="rId2"/>
-          <a:stretch>
-            <a:fillRect/>
-          </a:stretch>
-        </p:blipFill>
-        <p:spPr>
-          <a:xfrm>
-            <a:off x="479323" y="1229611"/>
-            <a:ext cx="6858957" cy="5191850"/>
-          </a:xfrm>
-          <a:prstGeom prst="rect">
-            <a:avLst/>
-          </a:prstGeom>
-        </p:spPr>
-      </p:pic>
       <p:sp>
         <p:nvSpPr>
           <p:cNvPr id="2" name="제목 1">
             <a:extLst>
               <a:ext uri="{FF2B5EF4-FFF2-40B4-BE49-F238E27FC236}">
-                <a16:creationId xmlns="" xmlns:a16="http://schemas.microsoft.com/office/drawing/2014/main" id="{635C47BF-19DD-7A68-913E-EF8F14DBA234}"/>
+                <a16:creationId xmlns:a16="http://schemas.microsoft.com/office/drawing/2014/main" xmlns="" id="{635C47BF-19DD-7A68-913E-EF8F14DBA234}"/>
               </a:ext>
             </a:extLst>
           </p:cNvPr>
@@ -4657,9 +4623,6 @@
               </a:rPr>
               <a:t>배경 꾸미기</a:t>
             </a:r>
-            <a:endParaRPr lang="ko-KR" altLang="en-US" sz="3200" dirty="0">
-              <a:latin typeface="+mj-ea"/>
-            </a:endParaRPr>
           </a:p>
         </p:txBody>
       </p:sp>
@@ -4668,7 +4631,7 @@
           <p:cNvPr id="7" name="화살표: 오른쪽 6">
             <a:extLst>
               <a:ext uri="{FF2B5EF4-FFF2-40B4-BE49-F238E27FC236}">
-                <a16:creationId xmlns="" xmlns:a16="http://schemas.microsoft.com/office/drawing/2014/main" id="{377F6EB9-04DD-E48B-35F4-1FDC8C656B50}"/>
+                <a16:creationId xmlns:a16="http://schemas.microsoft.com/office/drawing/2014/main" xmlns="" id="{377F6EB9-04DD-E48B-35F4-1FDC8C656B50}"/>
               </a:ext>
             </a:extLst>
           </p:cNvPr>
@@ -4714,7 +4677,7 @@
           <p:cNvPr id="8" name="TextBox 7">
             <a:extLst>
               <a:ext uri="{FF2B5EF4-FFF2-40B4-BE49-F238E27FC236}">
-                <a16:creationId xmlns="" xmlns:a16="http://schemas.microsoft.com/office/drawing/2014/main" id="{9EACEF18-3773-C1E3-C895-16E79BA820EE}"/>
+                <a16:creationId xmlns:a16="http://schemas.microsoft.com/office/drawing/2014/main" xmlns="" id="{9EACEF18-3773-C1E3-C895-16E79BA820EE}"/>
               </a:ext>
             </a:extLst>
           </p:cNvPr>
@@ -4772,6 +4735,30 @@
       <p:pic>
         <p:nvPicPr>
           <p:cNvPr id="4" name="그림 3"/>
+          <p:cNvPicPr>
+            <a:picLocks noChangeAspect="1"/>
+          </p:cNvPicPr>
+          <p:nvPr/>
+        </p:nvPicPr>
+        <p:blipFill>
+          <a:blip r:embed="rId2"/>
+          <a:stretch>
+            <a:fillRect/>
+          </a:stretch>
+        </p:blipFill>
+        <p:spPr>
+          <a:xfrm>
+            <a:off x="8846691" y="2643111"/>
+            <a:ext cx="3016303" cy="3965881"/>
+          </a:xfrm>
+          <a:prstGeom prst="rect">
+            <a:avLst/>
+          </a:prstGeom>
+        </p:spPr>
+      </p:pic>
+      <p:pic>
+        <p:nvPicPr>
+          <p:cNvPr id="5" name="그림 4"/>
           <p:cNvPicPr>
             <a:picLocks noChangeAspect="1"/>
           </p:cNvPicPr>
@@ -4785,8 +4772,8 @@
         </p:blipFill>
         <p:spPr>
           <a:xfrm>
-            <a:off x="8846691" y="2643111"/>
-            <a:ext cx="3016303" cy="3965881"/>
+            <a:off x="479323" y="1214099"/>
+            <a:ext cx="5635727" cy="5292592"/>
           </a:xfrm>
           <a:prstGeom prst="rect">
             <a:avLst/>
@@ -4825,7 +4812,7 @@
       </p:grpSpPr>
       <p:pic>
         <p:nvPicPr>
-          <p:cNvPr id="3" name="그림 2"/>
+          <p:cNvPr id="5" name="그림 4"/>
           <p:cNvPicPr>
             <a:picLocks noChangeAspect="1"/>
           </p:cNvPicPr>
@@ -4839,8 +4826,8 @@
         </p:blipFill>
         <p:spPr>
           <a:xfrm>
-            <a:off x="479323" y="1197037"/>
-            <a:ext cx="6297995" cy="4269500"/>
+            <a:off x="381580" y="1102411"/>
+            <a:ext cx="6404328" cy="5136805"/>
           </a:xfrm>
           <a:prstGeom prst="rect">
             <a:avLst/>
@@ -4852,7 +4839,7 @@
           <p:cNvPr id="2" name="제목 1">
             <a:extLst>
               <a:ext uri="{FF2B5EF4-FFF2-40B4-BE49-F238E27FC236}">
-                <a16:creationId xmlns="" xmlns:a16="http://schemas.microsoft.com/office/drawing/2014/main" id="{635C47BF-19DD-7A68-913E-EF8F14DBA234}"/>
+                <a16:creationId xmlns:a16="http://schemas.microsoft.com/office/drawing/2014/main" xmlns="" id="{635C47BF-19DD-7A68-913E-EF8F14DBA234}"/>
               </a:ext>
             </a:extLst>
           </p:cNvPr>
@@ -4885,9 +4872,6 @@
               </a:rPr>
               <a:t>마우스 커서</a:t>
             </a:r>
-            <a:endParaRPr lang="ko-KR" altLang="en-US" sz="3200" dirty="0">
-              <a:latin typeface="+mj-ea"/>
-            </a:endParaRPr>
           </a:p>
         </p:txBody>
       </p:sp>
@@ -4896,7 +4880,7 @@
           <p:cNvPr id="7" name="화살표: 오른쪽 6">
             <a:extLst>
               <a:ext uri="{FF2B5EF4-FFF2-40B4-BE49-F238E27FC236}">
-                <a16:creationId xmlns="" xmlns:a16="http://schemas.microsoft.com/office/drawing/2014/main" id="{377F6EB9-04DD-E48B-35F4-1FDC8C656B50}"/>
+                <a16:creationId xmlns:a16="http://schemas.microsoft.com/office/drawing/2014/main" xmlns="" id="{377F6EB9-04DD-E48B-35F4-1FDC8C656B50}"/>
               </a:ext>
             </a:extLst>
           </p:cNvPr>
@@ -4942,7 +4926,7 @@
           <p:cNvPr id="8" name="TextBox 7">
             <a:extLst>
               <a:ext uri="{FF2B5EF4-FFF2-40B4-BE49-F238E27FC236}">
-                <a16:creationId xmlns="" xmlns:a16="http://schemas.microsoft.com/office/drawing/2014/main" id="{9EACEF18-3773-C1E3-C895-16E79BA820EE}"/>
+                <a16:creationId xmlns:a16="http://schemas.microsoft.com/office/drawing/2014/main" xmlns="" id="{9EACEF18-3773-C1E3-C895-16E79BA820EE}"/>
               </a:ext>
             </a:extLst>
           </p:cNvPr>
@@ -5051,36 +5035,12 @@
           <a:chExt cx="0" cy="0"/>
         </a:xfrm>
       </p:grpSpPr>
-      <p:pic>
-        <p:nvPicPr>
-          <p:cNvPr id="3" name="그림 2"/>
-          <p:cNvPicPr>
-            <a:picLocks noChangeAspect="1"/>
-          </p:cNvPicPr>
-          <p:nvPr/>
-        </p:nvPicPr>
-        <p:blipFill>
-          <a:blip r:embed="rId2"/>
-          <a:stretch>
-            <a:fillRect/>
-          </a:stretch>
-        </p:blipFill>
-        <p:spPr>
-          <a:xfrm>
-            <a:off x="479323" y="1170878"/>
-            <a:ext cx="7606842" cy="5396306"/>
-          </a:xfrm>
-          <a:prstGeom prst="rect">
-            <a:avLst/>
-          </a:prstGeom>
-        </p:spPr>
-      </p:pic>
       <p:sp>
         <p:nvSpPr>
           <p:cNvPr id="2" name="제목 1">
             <a:extLst>
               <a:ext uri="{FF2B5EF4-FFF2-40B4-BE49-F238E27FC236}">
-                <a16:creationId xmlns="" xmlns:a16="http://schemas.microsoft.com/office/drawing/2014/main" id="{635C47BF-19DD-7A68-913E-EF8F14DBA234}"/>
+                <a16:creationId xmlns:a16="http://schemas.microsoft.com/office/drawing/2014/main" xmlns="" id="{635C47BF-19DD-7A68-913E-EF8F14DBA234}"/>
               </a:ext>
             </a:extLst>
           </p:cNvPr>
@@ -5125,6 +5085,30 @@
           </a:p>
         </p:txBody>
       </p:sp>
+      <p:pic>
+        <p:nvPicPr>
+          <p:cNvPr id="4" name="그림 3"/>
+          <p:cNvPicPr>
+            <a:picLocks noChangeAspect="1"/>
+          </p:cNvPicPr>
+          <p:nvPr/>
+        </p:nvPicPr>
+        <p:blipFill>
+          <a:blip r:embed="rId2"/>
+          <a:stretch>
+            <a:fillRect/>
+          </a:stretch>
+        </p:blipFill>
+        <p:spPr>
+          <a:xfrm>
+            <a:off x="479322" y="1032386"/>
+            <a:ext cx="6016727" cy="5456101"/>
+          </a:xfrm>
+          <a:prstGeom prst="rect">
+            <a:avLst/>
+          </a:prstGeom>
+        </p:spPr>
+      </p:pic>
     </p:spTree>
     <p:extLst>
       <p:ext uri="{BB962C8B-B14F-4D97-AF65-F5344CB8AC3E}">
@@ -5184,7 +5168,7 @@
           <p:cNvPr id="3" name="화살표: 오른쪽 6">
             <a:extLst>
               <a:ext uri="{FF2B5EF4-FFF2-40B4-BE49-F238E27FC236}">
-                <a16:creationId xmlns="" xmlns:a16="http://schemas.microsoft.com/office/drawing/2014/main" id="{377F6EB9-04DD-E48B-35F4-1FDC8C656B50}"/>
+                <a16:creationId xmlns:a16="http://schemas.microsoft.com/office/drawing/2014/main" xmlns="" id="{377F6EB9-04DD-E48B-35F4-1FDC8C656B50}"/>
               </a:ext>
             </a:extLst>
           </p:cNvPr>
@@ -5230,7 +5214,7 @@
           <p:cNvPr id="4" name="TextBox 3">
             <a:extLst>
               <a:ext uri="{FF2B5EF4-FFF2-40B4-BE49-F238E27FC236}">
-                <a16:creationId xmlns="" xmlns:a16="http://schemas.microsoft.com/office/drawing/2014/main" id="{9EACEF18-3773-C1E3-C895-16E79BA820EE}"/>
+                <a16:creationId xmlns:a16="http://schemas.microsoft.com/office/drawing/2014/main" xmlns="" id="{9EACEF18-3773-C1E3-C895-16E79BA820EE}"/>
               </a:ext>
             </a:extLst>
           </p:cNvPr>
@@ -5320,7 +5304,7 @@
           <p:cNvPr id="2" name="제목 1">
             <a:extLst>
               <a:ext uri="{FF2B5EF4-FFF2-40B4-BE49-F238E27FC236}">
-                <a16:creationId xmlns="" xmlns:a16="http://schemas.microsoft.com/office/drawing/2014/main" id="{635C47BF-19DD-7A68-913E-EF8F14DBA234}"/>
+                <a16:creationId xmlns:a16="http://schemas.microsoft.com/office/drawing/2014/main" xmlns="" id="{635C47BF-19DD-7A68-913E-EF8F14DBA234}"/>
               </a:ext>
             </a:extLst>
           </p:cNvPr>
@@ -5365,9 +5349,6 @@
               </a:rPr>
               <a:t>상대배치</a:t>
             </a:r>
-            <a:endParaRPr lang="ko-KR" altLang="en-US" sz="3200" dirty="0">
-              <a:latin typeface="+mj-ea"/>
-            </a:endParaRPr>
           </a:p>
         </p:txBody>
       </p:sp>
@@ -5376,7 +5357,7 @@
           <p:cNvPr id="8" name="TextBox 7">
             <a:extLst>
               <a:ext uri="{FF2B5EF4-FFF2-40B4-BE49-F238E27FC236}">
-                <a16:creationId xmlns="" xmlns:a16="http://schemas.microsoft.com/office/drawing/2014/main" id="{9EACEF18-3773-C1E3-C895-16E79BA820EE}"/>
+                <a16:creationId xmlns:a16="http://schemas.microsoft.com/office/drawing/2014/main" xmlns="" id="{9EACEF18-3773-C1E3-C895-16E79BA820EE}"/>
               </a:ext>
             </a:extLst>
           </p:cNvPr>
@@ -5433,7 +5414,7 @@
       </p:sp>
       <p:pic>
         <p:nvPicPr>
-          <p:cNvPr id="3" name="그림 2"/>
+          <p:cNvPr id="4" name="그림 3"/>
           <p:cNvPicPr>
             <a:picLocks noChangeAspect="1"/>
           </p:cNvPicPr>
@@ -5447,30 +5428,6 @@
         </p:blipFill>
         <p:spPr>
           <a:xfrm>
-            <a:off x="6252593" y="333140"/>
-            <a:ext cx="5579307" cy="6157307"/>
-          </a:xfrm>
-          <a:prstGeom prst="rect">
-            <a:avLst/>
-          </a:prstGeom>
-        </p:spPr>
-      </p:pic>
-      <p:pic>
-        <p:nvPicPr>
-          <p:cNvPr id="4" name="그림 3"/>
-          <p:cNvPicPr>
-            <a:picLocks noChangeAspect="1"/>
-          </p:cNvPicPr>
-          <p:nvPr/>
-        </p:nvPicPr>
-        <p:blipFill>
-          <a:blip r:embed="rId3"/>
-          <a:stretch>
-            <a:fillRect/>
-          </a:stretch>
-        </p:blipFill>
-        <p:spPr>
-          <a:xfrm>
             <a:off x="479323" y="4484710"/>
             <a:ext cx="4684348" cy="1952875"/>
           </a:xfrm>
@@ -5484,7 +5441,7 @@
           <p:cNvPr id="7" name="화살표: 오른쪽 6">
             <a:extLst>
               <a:ext uri="{FF2B5EF4-FFF2-40B4-BE49-F238E27FC236}">
-                <a16:creationId xmlns="" xmlns:a16="http://schemas.microsoft.com/office/drawing/2014/main" id="{377F6EB9-04DD-E48B-35F4-1FDC8C656B50}"/>
+                <a16:creationId xmlns:a16="http://schemas.microsoft.com/office/drawing/2014/main" xmlns="" id="{377F6EB9-04DD-E48B-35F4-1FDC8C656B50}"/>
               </a:ext>
             </a:extLst>
           </p:cNvPr>
@@ -5493,7 +5450,7 @@
         </p:nvSpPr>
         <p:spPr>
           <a:xfrm rot="8094705">
-            <a:off x="5004387" y="4321701"/>
+            <a:off x="5596728" y="4216091"/>
             <a:ext cx="1240283" cy="537237"/>
           </a:xfrm>
           <a:prstGeom prst="rightArrow">
@@ -5525,6 +5482,30 @@
           </a:p>
         </p:txBody>
       </p:sp>
+      <p:pic>
+        <p:nvPicPr>
+          <p:cNvPr id="5" name="그림 4"/>
+          <p:cNvPicPr>
+            <a:picLocks noChangeAspect="1"/>
+          </p:cNvPicPr>
+          <p:nvPr/>
+        </p:nvPicPr>
+        <p:blipFill>
+          <a:blip r:embed="rId3"/>
+          <a:stretch>
+            <a:fillRect/>
+          </a:stretch>
+        </p:blipFill>
+        <p:spPr>
+          <a:xfrm>
+            <a:off x="7270069" y="304299"/>
+            <a:ext cx="4540931" cy="6280012"/>
+          </a:xfrm>
+          <a:prstGeom prst="rect">
+            <a:avLst/>
+          </a:prstGeom>
+        </p:spPr>
+      </p:pic>
     </p:spTree>
     <p:extLst>
       <p:ext uri="{BB962C8B-B14F-4D97-AF65-F5344CB8AC3E}">
@@ -5557,7 +5538,7 @@
       </p:grpSpPr>
       <p:pic>
         <p:nvPicPr>
-          <p:cNvPr id="3" name="그림 2"/>
+          <p:cNvPr id="4" name="그림 3"/>
           <p:cNvPicPr>
             <a:picLocks noChangeAspect="1"/>
           </p:cNvPicPr>
@@ -5571,8 +5552,8 @@
         </p:blipFill>
         <p:spPr>
           <a:xfrm>
-            <a:off x="479323" y="1149768"/>
-            <a:ext cx="7427548" cy="3979043"/>
+            <a:off x="524509" y="1096033"/>
+            <a:ext cx="6392167" cy="4763165"/>
           </a:xfrm>
           <a:prstGeom prst="rect">
             <a:avLst/>
@@ -5584,7 +5565,7 @@
           <p:cNvPr id="2" name="제목 1">
             <a:extLst>
               <a:ext uri="{FF2B5EF4-FFF2-40B4-BE49-F238E27FC236}">
-                <a16:creationId xmlns="" xmlns:a16="http://schemas.microsoft.com/office/drawing/2014/main" id="{635C47BF-19DD-7A68-913E-EF8F14DBA234}"/>
+                <a16:creationId xmlns:a16="http://schemas.microsoft.com/office/drawing/2014/main" xmlns="" id="{635C47BF-19DD-7A68-913E-EF8F14DBA234}"/>
               </a:ext>
             </a:extLst>
           </p:cNvPr>
@@ -5623,9 +5604,6 @@
               </a:rPr>
               <a:t>스타일 시트로 꾸민 웹 페이지</a:t>
             </a:r>
-            <a:endParaRPr lang="ko-KR" altLang="en-US" sz="3200" dirty="0">
-              <a:latin typeface="+mj-ea"/>
-            </a:endParaRPr>
           </a:p>
         </p:txBody>
       </p:sp>
@@ -5634,7 +5612,7 @@
           <p:cNvPr id="7" name="화살표: 오른쪽 6">
             <a:extLst>
               <a:ext uri="{FF2B5EF4-FFF2-40B4-BE49-F238E27FC236}">
-                <a16:creationId xmlns="" xmlns:a16="http://schemas.microsoft.com/office/drawing/2014/main" id="{377F6EB9-04DD-E48B-35F4-1FDC8C656B50}"/>
+                <a16:creationId xmlns:a16="http://schemas.microsoft.com/office/drawing/2014/main" xmlns="" id="{377F6EB9-04DD-E48B-35F4-1FDC8C656B50}"/>
               </a:ext>
             </a:extLst>
           </p:cNvPr>
@@ -5680,7 +5658,7 @@
           <p:cNvPr id="8" name="TextBox 7">
             <a:extLst>
               <a:ext uri="{FF2B5EF4-FFF2-40B4-BE49-F238E27FC236}">
-                <a16:creationId xmlns="" xmlns:a16="http://schemas.microsoft.com/office/drawing/2014/main" id="{9EACEF18-3773-C1E3-C895-16E79BA820EE}"/>
+                <a16:creationId xmlns:a16="http://schemas.microsoft.com/office/drawing/2014/main" xmlns="" id="{9EACEF18-3773-C1E3-C895-16E79BA820EE}"/>
               </a:ext>
             </a:extLst>
           </p:cNvPr>
@@ -5794,7 +5772,7 @@
           <p:cNvPr id="2" name="제목 1">
             <a:extLst>
               <a:ext uri="{FF2B5EF4-FFF2-40B4-BE49-F238E27FC236}">
-                <a16:creationId xmlns="" xmlns:a16="http://schemas.microsoft.com/office/drawing/2014/main" id="{635C47BF-19DD-7A68-913E-EF8F14DBA234}"/>
+                <a16:creationId xmlns:a16="http://schemas.microsoft.com/office/drawing/2014/main" xmlns="" id="{635C47BF-19DD-7A68-913E-EF8F14DBA234}"/>
               </a:ext>
             </a:extLst>
           </p:cNvPr>
@@ -5839,9 +5817,6 @@
               </a:rPr>
               <a:t>절대배치</a:t>
             </a:r>
-            <a:endParaRPr lang="ko-KR" altLang="en-US" sz="3200" dirty="0">
-              <a:latin typeface="+mj-ea"/>
-            </a:endParaRPr>
           </a:p>
         </p:txBody>
       </p:sp>
@@ -5850,7 +5825,7 @@
           <p:cNvPr id="7" name="화살표: 오른쪽 6">
             <a:extLst>
               <a:ext uri="{FF2B5EF4-FFF2-40B4-BE49-F238E27FC236}">
-                <a16:creationId xmlns="" xmlns:a16="http://schemas.microsoft.com/office/drawing/2014/main" id="{377F6EB9-04DD-E48B-35F4-1FDC8C656B50}"/>
+                <a16:creationId xmlns:a16="http://schemas.microsoft.com/office/drawing/2014/main" xmlns="" id="{377F6EB9-04DD-E48B-35F4-1FDC8C656B50}"/>
               </a:ext>
             </a:extLst>
           </p:cNvPr>
@@ -5896,7 +5871,7 @@
           <p:cNvPr id="8" name="TextBox 7">
             <a:extLst>
               <a:ext uri="{FF2B5EF4-FFF2-40B4-BE49-F238E27FC236}">
-                <a16:creationId xmlns="" xmlns:a16="http://schemas.microsoft.com/office/drawing/2014/main" id="{9EACEF18-3773-C1E3-C895-16E79BA820EE}"/>
+                <a16:creationId xmlns:a16="http://schemas.microsoft.com/office/drawing/2014/main" xmlns="" id="{9EACEF18-3773-C1E3-C895-16E79BA820EE}"/>
               </a:ext>
             </a:extLst>
           </p:cNvPr>
@@ -5953,7 +5928,7 @@
       </p:sp>
       <p:pic>
         <p:nvPicPr>
-          <p:cNvPr id="3" name="그림 2"/>
+          <p:cNvPr id="4" name="그림 3"/>
           <p:cNvPicPr>
             <a:picLocks noChangeAspect="1"/>
           </p:cNvPicPr>
@@ -5967,8 +5942,8 @@
         </p:blipFill>
         <p:spPr>
           <a:xfrm>
-            <a:off x="6181166" y="550606"/>
-            <a:ext cx="5655358" cy="5934635"/>
+            <a:off x="479323" y="1740190"/>
+            <a:ext cx="3106559" cy="4725471"/>
           </a:xfrm>
           <a:prstGeom prst="rect">
             <a:avLst/>
@@ -5977,7 +5952,7 @@
       </p:pic>
       <p:pic>
         <p:nvPicPr>
-          <p:cNvPr id="4" name="그림 3"/>
+          <p:cNvPr id="5" name="그림 4"/>
           <p:cNvPicPr>
             <a:picLocks noChangeAspect="1"/>
           </p:cNvPicPr>
@@ -5991,8 +5966,8 @@
         </p:blipFill>
         <p:spPr>
           <a:xfrm>
-            <a:off x="479323" y="1740190"/>
-            <a:ext cx="3106559" cy="4725471"/>
+            <a:off x="7029091" y="328555"/>
+            <a:ext cx="4800959" cy="6232356"/>
           </a:xfrm>
           <a:prstGeom prst="rect">
             <a:avLst/>
@@ -6029,36 +6004,12 @@
           <a:chExt cx="0" cy="0"/>
         </a:xfrm>
       </p:grpSpPr>
-      <p:pic>
-        <p:nvPicPr>
-          <p:cNvPr id="3" name="그림 2"/>
-          <p:cNvPicPr>
-            <a:picLocks noChangeAspect="1"/>
-          </p:cNvPicPr>
-          <p:nvPr/>
-        </p:nvPicPr>
-        <p:blipFill>
-          <a:blip r:embed="rId2"/>
-          <a:stretch>
-            <a:fillRect/>
-          </a:stretch>
-        </p:blipFill>
-        <p:spPr>
-          <a:xfrm>
-            <a:off x="479323" y="1516203"/>
-            <a:ext cx="6620799" cy="4867954"/>
-          </a:xfrm>
-          <a:prstGeom prst="rect">
-            <a:avLst/>
-          </a:prstGeom>
-        </p:spPr>
-      </p:pic>
       <p:sp>
         <p:nvSpPr>
           <p:cNvPr id="2" name="제목 1">
             <a:extLst>
               <a:ext uri="{FF2B5EF4-FFF2-40B4-BE49-F238E27FC236}">
-                <a16:creationId xmlns="" xmlns:a16="http://schemas.microsoft.com/office/drawing/2014/main" id="{635C47BF-19DD-7A68-913E-EF8F14DBA234}"/>
+                <a16:creationId xmlns:a16="http://schemas.microsoft.com/office/drawing/2014/main" xmlns="" id="{635C47BF-19DD-7A68-913E-EF8F14DBA234}"/>
               </a:ext>
             </a:extLst>
           </p:cNvPr>
@@ -6103,9 +6054,6 @@
               </a:rPr>
               <a:t>고정배치</a:t>
             </a:r>
-            <a:endParaRPr lang="ko-KR" altLang="en-US" sz="3200" dirty="0">
-              <a:latin typeface="+mj-ea"/>
-            </a:endParaRPr>
           </a:p>
         </p:txBody>
       </p:sp>
@@ -6114,7 +6062,7 @@
           <p:cNvPr id="7" name="화살표: 오른쪽 6">
             <a:extLst>
               <a:ext uri="{FF2B5EF4-FFF2-40B4-BE49-F238E27FC236}">
-                <a16:creationId xmlns="" xmlns:a16="http://schemas.microsoft.com/office/drawing/2014/main" id="{377F6EB9-04DD-E48B-35F4-1FDC8C656B50}"/>
+                <a16:creationId xmlns:a16="http://schemas.microsoft.com/office/drawing/2014/main" xmlns="" id="{377F6EB9-04DD-E48B-35F4-1FDC8C656B50}"/>
               </a:ext>
             </a:extLst>
           </p:cNvPr>
@@ -6160,7 +6108,7 @@
           <p:cNvPr id="8" name="TextBox 7">
             <a:extLst>
               <a:ext uri="{FF2B5EF4-FFF2-40B4-BE49-F238E27FC236}">
-                <a16:creationId xmlns="" xmlns:a16="http://schemas.microsoft.com/office/drawing/2014/main" id="{9EACEF18-3773-C1E3-C895-16E79BA820EE}"/>
+                <a16:creationId xmlns:a16="http://schemas.microsoft.com/office/drawing/2014/main" xmlns="" id="{9EACEF18-3773-C1E3-C895-16E79BA820EE}"/>
               </a:ext>
             </a:extLst>
           </p:cNvPr>
@@ -6218,6 +6166,30 @@
       <p:pic>
         <p:nvPicPr>
           <p:cNvPr id="4" name="그림 3"/>
+          <p:cNvPicPr>
+            <a:picLocks noChangeAspect="1"/>
+          </p:cNvPicPr>
+          <p:nvPr/>
+        </p:nvPicPr>
+        <p:blipFill>
+          <a:blip r:embed="rId2"/>
+          <a:stretch>
+            <a:fillRect/>
+          </a:stretch>
+        </p:blipFill>
+        <p:spPr>
+          <a:xfrm>
+            <a:off x="7924875" y="3084388"/>
+            <a:ext cx="3885567" cy="3406740"/>
+          </a:xfrm>
+          <a:prstGeom prst="rect">
+            <a:avLst/>
+          </a:prstGeom>
+        </p:spPr>
+      </p:pic>
+      <p:pic>
+        <p:nvPicPr>
+          <p:cNvPr id="5" name="그림 4"/>
           <p:cNvPicPr>
             <a:picLocks noChangeAspect="1"/>
           </p:cNvPicPr>
@@ -6231,8 +6203,8 @@
         </p:blipFill>
         <p:spPr>
           <a:xfrm>
-            <a:off x="7924875" y="3084388"/>
-            <a:ext cx="3885567" cy="3406740"/>
+            <a:off x="442637" y="1219472"/>
+            <a:ext cx="5734434" cy="5063613"/>
           </a:xfrm>
           <a:prstGeom prst="rect">
             <a:avLst/>
@@ -6269,36 +6241,12 @@
           <a:chExt cx="0" cy="0"/>
         </a:xfrm>
       </p:grpSpPr>
-      <p:pic>
-        <p:nvPicPr>
-          <p:cNvPr id="3" name="그림 2"/>
-          <p:cNvPicPr>
-            <a:picLocks noChangeAspect="1"/>
-          </p:cNvPicPr>
-          <p:nvPr/>
-        </p:nvPicPr>
-        <p:blipFill>
-          <a:blip r:embed="rId2"/>
-          <a:stretch>
-            <a:fillRect/>
-          </a:stretch>
-        </p:blipFill>
-        <p:spPr>
-          <a:xfrm>
-            <a:off x="296399" y="1098686"/>
-            <a:ext cx="11590801" cy="3952624"/>
-          </a:xfrm>
-          <a:prstGeom prst="rect">
-            <a:avLst/>
-          </a:prstGeom>
-        </p:spPr>
-      </p:pic>
       <p:sp>
         <p:nvSpPr>
           <p:cNvPr id="2" name="제목 1">
             <a:extLst>
               <a:ext uri="{FF2B5EF4-FFF2-40B4-BE49-F238E27FC236}">
-                <a16:creationId xmlns="" xmlns:a16="http://schemas.microsoft.com/office/drawing/2014/main" id="{635C47BF-19DD-7A68-913E-EF8F14DBA234}"/>
+                <a16:creationId xmlns:a16="http://schemas.microsoft.com/office/drawing/2014/main" xmlns="" id="{635C47BF-19DD-7A68-913E-EF8F14DBA234}"/>
               </a:ext>
             </a:extLst>
           </p:cNvPr>
@@ -6337,12 +6285,33 @@
               </a:rPr>
               <a:t>배치</a:t>
             </a:r>
-            <a:endParaRPr lang="ko-KR" altLang="en-US" sz="3200" dirty="0">
-              <a:latin typeface="+mj-ea"/>
-            </a:endParaRPr>
-          </a:p>
-        </p:txBody>
-      </p:sp>
+          </a:p>
+        </p:txBody>
+      </p:sp>
+      <p:pic>
+        <p:nvPicPr>
+          <p:cNvPr id="4" name="그림 3"/>
+          <p:cNvPicPr>
+            <a:picLocks noChangeAspect="1"/>
+          </p:cNvPicPr>
+          <p:nvPr/>
+        </p:nvPicPr>
+        <p:blipFill>
+          <a:blip r:embed="rId2"/>
+          <a:stretch>
+            <a:fillRect/>
+          </a:stretch>
+        </p:blipFill>
+        <p:spPr>
+          <a:xfrm>
+            <a:off x="422173" y="1628468"/>
+            <a:ext cx="11331677" cy="4678494"/>
+          </a:xfrm>
+          <a:prstGeom prst="rect">
+            <a:avLst/>
+          </a:prstGeom>
+        </p:spPr>
+      </p:pic>
     </p:spTree>
     <p:extLst>
       <p:ext uri="{BB962C8B-B14F-4D97-AF65-F5344CB8AC3E}">
@@ -6402,7 +6371,7 @@
           <p:cNvPr id="3" name="화살표: 오른쪽 6">
             <a:extLst>
               <a:ext uri="{FF2B5EF4-FFF2-40B4-BE49-F238E27FC236}">
-                <a16:creationId xmlns="" xmlns:a16="http://schemas.microsoft.com/office/drawing/2014/main" id="{377F6EB9-04DD-E48B-35F4-1FDC8C656B50}"/>
+                <a16:creationId xmlns:a16="http://schemas.microsoft.com/office/drawing/2014/main" xmlns="" id="{377F6EB9-04DD-E48B-35F4-1FDC8C656B50}"/>
               </a:ext>
             </a:extLst>
           </p:cNvPr>
@@ -6448,7 +6417,7 @@
           <p:cNvPr id="4" name="TextBox 3">
             <a:extLst>
               <a:ext uri="{FF2B5EF4-FFF2-40B4-BE49-F238E27FC236}">
-                <a16:creationId xmlns="" xmlns:a16="http://schemas.microsoft.com/office/drawing/2014/main" id="{9EACEF18-3773-C1E3-C895-16E79BA820EE}"/>
+                <a16:creationId xmlns:a16="http://schemas.microsoft.com/office/drawing/2014/main" xmlns="" id="{9EACEF18-3773-C1E3-C895-16E79BA820EE}"/>
               </a:ext>
             </a:extLst>
           </p:cNvPr>
@@ -6533,36 +6502,12 @@
           <a:chExt cx="0" cy="0"/>
         </a:xfrm>
       </p:grpSpPr>
-      <p:pic>
-        <p:nvPicPr>
-          <p:cNvPr id="3" name="그림 2"/>
-          <p:cNvPicPr>
-            <a:picLocks noChangeAspect="1"/>
-          </p:cNvPicPr>
-          <p:nvPr/>
-        </p:nvPicPr>
-        <p:blipFill>
-          <a:blip r:embed="rId2"/>
-          <a:stretch>
-            <a:fillRect/>
-          </a:stretch>
-        </p:blipFill>
-        <p:spPr>
-          <a:xfrm>
-            <a:off x="479323" y="1168118"/>
-            <a:ext cx="6944694" cy="5382376"/>
-          </a:xfrm>
-          <a:prstGeom prst="rect">
-            <a:avLst/>
-          </a:prstGeom>
-        </p:spPr>
-      </p:pic>
       <p:sp>
         <p:nvSpPr>
           <p:cNvPr id="2" name="제목 1">
             <a:extLst>
               <a:ext uri="{FF2B5EF4-FFF2-40B4-BE49-F238E27FC236}">
-                <a16:creationId xmlns="" xmlns:a16="http://schemas.microsoft.com/office/drawing/2014/main" id="{635C47BF-19DD-7A68-913E-EF8F14DBA234}"/>
+                <a16:creationId xmlns:a16="http://schemas.microsoft.com/office/drawing/2014/main" xmlns="" id="{635C47BF-19DD-7A68-913E-EF8F14DBA234}"/>
               </a:ext>
             </a:extLst>
           </p:cNvPr>
@@ -6612,7 +6557,7 @@
           <p:cNvPr id="7" name="화살표: 오른쪽 6">
             <a:extLst>
               <a:ext uri="{FF2B5EF4-FFF2-40B4-BE49-F238E27FC236}">
-                <a16:creationId xmlns="" xmlns:a16="http://schemas.microsoft.com/office/drawing/2014/main" id="{377F6EB9-04DD-E48B-35F4-1FDC8C656B50}"/>
+                <a16:creationId xmlns:a16="http://schemas.microsoft.com/office/drawing/2014/main" xmlns="" id="{377F6EB9-04DD-E48B-35F4-1FDC8C656B50}"/>
               </a:ext>
             </a:extLst>
           </p:cNvPr>
@@ -6658,7 +6603,7 @@
           <p:cNvPr id="8" name="TextBox 7">
             <a:extLst>
               <a:ext uri="{FF2B5EF4-FFF2-40B4-BE49-F238E27FC236}">
-                <a16:creationId xmlns="" xmlns:a16="http://schemas.microsoft.com/office/drawing/2014/main" id="{9EACEF18-3773-C1E3-C895-16E79BA820EE}"/>
+                <a16:creationId xmlns:a16="http://schemas.microsoft.com/office/drawing/2014/main" xmlns="" id="{9EACEF18-3773-C1E3-C895-16E79BA820EE}"/>
               </a:ext>
             </a:extLst>
           </p:cNvPr>
@@ -6716,6 +6661,30 @@
       <p:pic>
         <p:nvPicPr>
           <p:cNvPr id="4" name="그림 3"/>
+          <p:cNvPicPr>
+            <a:picLocks noChangeAspect="1"/>
+          </p:cNvPicPr>
+          <p:nvPr/>
+        </p:nvPicPr>
+        <p:blipFill>
+          <a:blip r:embed="rId2"/>
+          <a:stretch>
+            <a:fillRect/>
+          </a:stretch>
+        </p:blipFill>
+        <p:spPr>
+          <a:xfrm>
+            <a:off x="8529424" y="3586186"/>
+            <a:ext cx="3375705" cy="2976088"/>
+          </a:xfrm>
+          <a:prstGeom prst="rect">
+            <a:avLst/>
+          </a:prstGeom>
+        </p:spPr>
+      </p:pic>
+      <p:pic>
+        <p:nvPicPr>
+          <p:cNvPr id="5" name="그림 4"/>
           <p:cNvPicPr>
             <a:picLocks noChangeAspect="1"/>
           </p:cNvPicPr>
@@ -6729,8 +6698,8 @@
         </p:blipFill>
         <p:spPr>
           <a:xfrm>
-            <a:off x="8529424" y="3586186"/>
-            <a:ext cx="3375705" cy="2976088"/>
+            <a:off x="479323" y="1032387"/>
+            <a:ext cx="5997677" cy="5529457"/>
           </a:xfrm>
           <a:prstGeom prst="rect">
             <a:avLst/>
@@ -6767,36 +6736,12 @@
           <a:chExt cx="0" cy="0"/>
         </a:xfrm>
       </p:grpSpPr>
-      <p:pic>
-        <p:nvPicPr>
-          <p:cNvPr id="3" name="그림 2"/>
-          <p:cNvPicPr>
-            <a:picLocks noChangeAspect="1"/>
-          </p:cNvPicPr>
-          <p:nvPr/>
-        </p:nvPicPr>
-        <p:blipFill>
-          <a:blip r:embed="rId2"/>
-          <a:stretch>
-            <a:fillRect/>
-          </a:stretch>
-        </p:blipFill>
-        <p:spPr>
-          <a:xfrm>
-            <a:off x="479323" y="1197037"/>
-            <a:ext cx="7598636" cy="5239622"/>
-          </a:xfrm>
-          <a:prstGeom prst="rect">
-            <a:avLst/>
-          </a:prstGeom>
-        </p:spPr>
-      </p:pic>
       <p:sp>
         <p:nvSpPr>
           <p:cNvPr id="2" name="제목 1">
             <a:extLst>
               <a:ext uri="{FF2B5EF4-FFF2-40B4-BE49-F238E27FC236}">
-                <a16:creationId xmlns="" xmlns:a16="http://schemas.microsoft.com/office/drawing/2014/main" id="{635C47BF-19DD-7A68-913E-EF8F14DBA234}"/>
+                <a16:creationId xmlns:a16="http://schemas.microsoft.com/office/drawing/2014/main" xmlns="" id="{635C47BF-19DD-7A68-913E-EF8F14DBA234}"/>
               </a:ext>
             </a:extLst>
           </p:cNvPr>
@@ -6846,7 +6791,7 @@
           <p:cNvPr id="7" name="화살표: 오른쪽 6">
             <a:extLst>
               <a:ext uri="{FF2B5EF4-FFF2-40B4-BE49-F238E27FC236}">
-                <a16:creationId xmlns="" xmlns:a16="http://schemas.microsoft.com/office/drawing/2014/main" id="{377F6EB9-04DD-E48B-35F4-1FDC8C656B50}"/>
+                <a16:creationId xmlns:a16="http://schemas.microsoft.com/office/drawing/2014/main" xmlns="" id="{377F6EB9-04DD-E48B-35F4-1FDC8C656B50}"/>
               </a:ext>
             </a:extLst>
           </p:cNvPr>
@@ -6892,7 +6837,7 @@
           <p:cNvPr id="8" name="TextBox 7">
             <a:extLst>
               <a:ext uri="{FF2B5EF4-FFF2-40B4-BE49-F238E27FC236}">
-                <a16:creationId xmlns="" xmlns:a16="http://schemas.microsoft.com/office/drawing/2014/main" id="{9EACEF18-3773-C1E3-C895-16E79BA820EE}"/>
+                <a16:creationId xmlns:a16="http://schemas.microsoft.com/office/drawing/2014/main" xmlns="" id="{9EACEF18-3773-C1E3-C895-16E79BA820EE}"/>
               </a:ext>
             </a:extLst>
           </p:cNvPr>
@@ -6950,6 +6895,30 @@
       <p:pic>
         <p:nvPicPr>
           <p:cNvPr id="4" name="그림 3"/>
+          <p:cNvPicPr>
+            <a:picLocks noChangeAspect="1"/>
+          </p:cNvPicPr>
+          <p:nvPr/>
+        </p:nvPicPr>
+        <p:blipFill>
+          <a:blip r:embed="rId2"/>
+          <a:stretch>
+            <a:fillRect/>
+          </a:stretch>
+        </p:blipFill>
+        <p:spPr>
+          <a:xfrm>
+            <a:off x="8544297" y="4531492"/>
+            <a:ext cx="3351072" cy="1935126"/>
+          </a:xfrm>
+          <a:prstGeom prst="rect">
+            <a:avLst/>
+          </a:prstGeom>
+        </p:spPr>
+      </p:pic>
+      <p:pic>
+        <p:nvPicPr>
+          <p:cNvPr id="5" name="그림 4"/>
           <p:cNvPicPr>
             <a:picLocks noChangeAspect="1"/>
           </p:cNvPicPr>
@@ -6963,8 +6932,8 @@
         </p:blipFill>
         <p:spPr>
           <a:xfrm>
-            <a:off x="8544297" y="4531492"/>
-            <a:ext cx="3351072" cy="1935126"/>
+            <a:off x="479323" y="1185608"/>
+            <a:ext cx="6729546" cy="5392084"/>
           </a:xfrm>
           <a:prstGeom prst="rect">
             <a:avLst/>
@@ -7001,36 +6970,12 @@
           <a:chExt cx="0" cy="0"/>
         </a:xfrm>
       </p:grpSpPr>
-      <p:pic>
-        <p:nvPicPr>
-          <p:cNvPr id="3" name="그림 2"/>
-          <p:cNvPicPr>
-            <a:picLocks noChangeAspect="1"/>
-          </p:cNvPicPr>
-          <p:nvPr/>
-        </p:nvPicPr>
-        <p:blipFill>
-          <a:blip r:embed="rId2"/>
-          <a:stretch>
-            <a:fillRect/>
-          </a:stretch>
-        </p:blipFill>
-        <p:spPr>
-          <a:xfrm>
-            <a:off x="479323" y="1359711"/>
-            <a:ext cx="8497486" cy="5029902"/>
-          </a:xfrm>
-          <a:prstGeom prst="rect">
-            <a:avLst/>
-          </a:prstGeom>
-        </p:spPr>
-      </p:pic>
       <p:sp>
         <p:nvSpPr>
           <p:cNvPr id="2" name="제목 1">
             <a:extLst>
               <a:ext uri="{FF2B5EF4-FFF2-40B4-BE49-F238E27FC236}">
-                <a16:creationId xmlns="" xmlns:a16="http://schemas.microsoft.com/office/drawing/2014/main" id="{635C47BF-19DD-7A68-913E-EF8F14DBA234}"/>
+                <a16:creationId xmlns:a16="http://schemas.microsoft.com/office/drawing/2014/main" xmlns="" id="{635C47BF-19DD-7A68-913E-EF8F14DBA234}"/>
               </a:ext>
             </a:extLst>
           </p:cNvPr>
@@ -7080,7 +7025,7 @@
           <p:cNvPr id="7" name="화살표: 오른쪽 6">
             <a:extLst>
               <a:ext uri="{FF2B5EF4-FFF2-40B4-BE49-F238E27FC236}">
-                <a16:creationId xmlns="" xmlns:a16="http://schemas.microsoft.com/office/drawing/2014/main" id="{377F6EB9-04DD-E48B-35F4-1FDC8C656B50}"/>
+                <a16:creationId xmlns:a16="http://schemas.microsoft.com/office/drawing/2014/main" xmlns="" id="{377F6EB9-04DD-E48B-35F4-1FDC8C656B50}"/>
               </a:ext>
             </a:extLst>
           </p:cNvPr>
@@ -7126,7 +7071,7 @@
           <p:cNvPr id="8" name="TextBox 7">
             <a:extLst>
               <a:ext uri="{FF2B5EF4-FFF2-40B4-BE49-F238E27FC236}">
-                <a16:creationId xmlns="" xmlns:a16="http://schemas.microsoft.com/office/drawing/2014/main" id="{9EACEF18-3773-C1E3-C895-16E79BA820EE}"/>
+                <a16:creationId xmlns:a16="http://schemas.microsoft.com/office/drawing/2014/main" xmlns="" id="{9EACEF18-3773-C1E3-C895-16E79BA820EE}"/>
               </a:ext>
             </a:extLst>
           </p:cNvPr>
@@ -7184,6 +7129,30 @@
       <p:pic>
         <p:nvPicPr>
           <p:cNvPr id="4" name="그림 3"/>
+          <p:cNvPicPr>
+            <a:picLocks noChangeAspect="1"/>
+          </p:cNvPicPr>
+          <p:nvPr/>
+        </p:nvPicPr>
+        <p:blipFill>
+          <a:blip r:embed="rId2"/>
+          <a:stretch>
+            <a:fillRect/>
+          </a:stretch>
+        </p:blipFill>
+        <p:spPr>
+          <a:xfrm>
+            <a:off x="9368778" y="3103029"/>
+            <a:ext cx="2562583" cy="3286584"/>
+          </a:xfrm>
+          <a:prstGeom prst="rect">
+            <a:avLst/>
+          </a:prstGeom>
+        </p:spPr>
+      </p:pic>
+      <p:pic>
+        <p:nvPicPr>
+          <p:cNvPr id="5" name="그림 4"/>
           <p:cNvPicPr>
             <a:picLocks noChangeAspect="1"/>
           </p:cNvPicPr>
@@ -7197,8 +7166,8 @@
         </p:blipFill>
         <p:spPr>
           <a:xfrm>
-            <a:off x="9368778" y="3103029"/>
-            <a:ext cx="2562583" cy="3286584"/>
+            <a:off x="479323" y="1184787"/>
+            <a:ext cx="7358043" cy="5391377"/>
           </a:xfrm>
           <a:prstGeom prst="rect">
             <a:avLst/>
@@ -7235,36 +7204,12 @@
           <a:chExt cx="0" cy="0"/>
         </a:xfrm>
       </p:grpSpPr>
-      <p:pic>
-        <p:nvPicPr>
-          <p:cNvPr id="3" name="그림 2"/>
-          <p:cNvPicPr>
-            <a:picLocks noChangeAspect="1"/>
-          </p:cNvPicPr>
-          <p:nvPr/>
-        </p:nvPicPr>
-        <p:blipFill>
-          <a:blip r:embed="rId2"/>
-          <a:stretch>
-            <a:fillRect/>
-          </a:stretch>
-        </p:blipFill>
-        <p:spPr>
-          <a:xfrm>
-            <a:off x="479323" y="1032387"/>
-            <a:ext cx="6154559" cy="5517880"/>
-          </a:xfrm>
-          <a:prstGeom prst="rect">
-            <a:avLst/>
-          </a:prstGeom>
-        </p:spPr>
-      </p:pic>
       <p:sp>
         <p:nvSpPr>
           <p:cNvPr id="2" name="제목 1">
             <a:extLst>
               <a:ext uri="{FF2B5EF4-FFF2-40B4-BE49-F238E27FC236}">
-                <a16:creationId xmlns="" xmlns:a16="http://schemas.microsoft.com/office/drawing/2014/main" id="{635C47BF-19DD-7A68-913E-EF8F14DBA234}"/>
+                <a16:creationId xmlns:a16="http://schemas.microsoft.com/office/drawing/2014/main" xmlns="" id="{635C47BF-19DD-7A68-913E-EF8F14DBA234}"/>
               </a:ext>
             </a:extLst>
           </p:cNvPr>
@@ -7297,9 +7242,6 @@
               </a:rPr>
               <a:t>리스트로 메뉴 만들기</a:t>
             </a:r>
-            <a:endParaRPr lang="ko-KR" altLang="en-US" sz="3200" dirty="0">
-              <a:latin typeface="+mj-ea"/>
-            </a:endParaRPr>
           </a:p>
         </p:txBody>
       </p:sp>
@@ -7308,7 +7250,7 @@
           <p:cNvPr id="7" name="화살표: 오른쪽 6">
             <a:extLst>
               <a:ext uri="{FF2B5EF4-FFF2-40B4-BE49-F238E27FC236}">
-                <a16:creationId xmlns="" xmlns:a16="http://schemas.microsoft.com/office/drawing/2014/main" id="{377F6EB9-04DD-E48B-35F4-1FDC8C656B50}"/>
+                <a16:creationId xmlns:a16="http://schemas.microsoft.com/office/drawing/2014/main" xmlns="" id="{377F6EB9-04DD-E48B-35F4-1FDC8C656B50}"/>
               </a:ext>
             </a:extLst>
           </p:cNvPr>
@@ -7354,7 +7296,7 @@
           <p:cNvPr id="8" name="TextBox 7">
             <a:extLst>
               <a:ext uri="{FF2B5EF4-FFF2-40B4-BE49-F238E27FC236}">
-                <a16:creationId xmlns="" xmlns:a16="http://schemas.microsoft.com/office/drawing/2014/main" id="{9EACEF18-3773-C1E3-C895-16E79BA820EE}"/>
+                <a16:creationId xmlns:a16="http://schemas.microsoft.com/office/drawing/2014/main" xmlns="" id="{9EACEF18-3773-C1E3-C895-16E79BA820EE}"/>
               </a:ext>
             </a:extLst>
           </p:cNvPr>
@@ -7412,6 +7354,30 @@
       <p:pic>
         <p:nvPicPr>
           <p:cNvPr id="4" name="그림 3"/>
+          <p:cNvPicPr>
+            <a:picLocks noChangeAspect="1"/>
+          </p:cNvPicPr>
+          <p:nvPr/>
+        </p:nvPicPr>
+        <p:blipFill>
+          <a:blip r:embed="rId2"/>
+          <a:stretch>
+            <a:fillRect/>
+          </a:stretch>
+        </p:blipFill>
+        <p:spPr>
+          <a:xfrm>
+            <a:off x="7214443" y="4362535"/>
+            <a:ext cx="4696480" cy="552527"/>
+          </a:xfrm>
+          <a:prstGeom prst="rect">
+            <a:avLst/>
+          </a:prstGeom>
+        </p:spPr>
+      </p:pic>
+      <p:pic>
+        <p:nvPicPr>
+          <p:cNvPr id="5" name="그림 4"/>
           <p:cNvPicPr>
             <a:picLocks noChangeAspect="1"/>
           </p:cNvPicPr>
@@ -7425,8 +7391,8 @@
         </p:blipFill>
         <p:spPr>
           <a:xfrm>
-            <a:off x="7214443" y="4362535"/>
-            <a:ext cx="4696480" cy="552527"/>
+            <a:off x="479323" y="1032387"/>
+            <a:ext cx="5039486" cy="5476241"/>
           </a:xfrm>
           <a:prstGeom prst="rect">
             <a:avLst/>
@@ -7468,7 +7434,7 @@
           <p:cNvPr id="2" name="제목 1">
             <a:extLst>
               <a:ext uri="{FF2B5EF4-FFF2-40B4-BE49-F238E27FC236}">
-                <a16:creationId xmlns="" xmlns:a16="http://schemas.microsoft.com/office/drawing/2014/main" id="{635C47BF-19DD-7A68-913E-EF8F14DBA234}"/>
+                <a16:creationId xmlns:a16="http://schemas.microsoft.com/office/drawing/2014/main" xmlns="" id="{635C47BF-19DD-7A68-913E-EF8F14DBA234}"/>
               </a:ext>
             </a:extLst>
           </p:cNvPr>
@@ -7481,8 +7447,8 @@
         </p:nvSpPr>
         <p:spPr>
           <a:xfrm>
-            <a:off x="479323" y="550606"/>
-            <a:ext cx="9875520" cy="481781"/>
+            <a:off x="5632549" y="550606"/>
+            <a:ext cx="5836920" cy="481781"/>
           </a:xfrm>
         </p:spPr>
         <p:txBody>
@@ -7491,7 +7457,7 @@
           </a:bodyPr>
           <a:lstStyle/>
           <a:p>
-            <a:pPr marL="571500" indent="-571500">
+            <a:pPr marL="571500" indent="-571500" algn="r">
               <a:buFont typeface="Arial" panose="020B0604020202020204" pitchFamily="34" charset="0"/>
               <a:buChar char="•"/>
             </a:pPr>
@@ -7518,7 +7484,7 @@
           <p:cNvPr id="7" name="화살표: 오른쪽 6">
             <a:extLst>
               <a:ext uri="{FF2B5EF4-FFF2-40B4-BE49-F238E27FC236}">
-                <a16:creationId xmlns="" xmlns:a16="http://schemas.microsoft.com/office/drawing/2014/main" id="{377F6EB9-04DD-E48B-35F4-1FDC8C656B50}"/>
+                <a16:creationId xmlns:a16="http://schemas.microsoft.com/office/drawing/2014/main" xmlns="" id="{377F6EB9-04DD-E48B-35F4-1FDC8C656B50}"/>
               </a:ext>
             </a:extLst>
           </p:cNvPr>
@@ -7564,7 +7530,7 @@
           <p:cNvPr id="8" name="TextBox 7">
             <a:extLst>
               <a:ext uri="{FF2B5EF4-FFF2-40B4-BE49-F238E27FC236}">
-                <a16:creationId xmlns="" xmlns:a16="http://schemas.microsoft.com/office/drawing/2014/main" id="{9EACEF18-3773-C1E3-C895-16E79BA820EE}"/>
+                <a16:creationId xmlns:a16="http://schemas.microsoft.com/office/drawing/2014/main" xmlns="" id="{9EACEF18-3773-C1E3-C895-16E79BA820EE}"/>
               </a:ext>
             </a:extLst>
           </p:cNvPr>
@@ -7621,7 +7587,7 @@
       </p:sp>
       <p:pic>
         <p:nvPicPr>
-          <p:cNvPr id="3" name="그림 2"/>
+          <p:cNvPr id="4" name="그림 3"/>
           <p:cNvPicPr>
             <a:picLocks noChangeAspect="1"/>
           </p:cNvPicPr>
@@ -7635,8 +7601,8 @@
         </p:blipFill>
         <p:spPr>
           <a:xfrm>
-            <a:off x="479323" y="1032387"/>
-            <a:ext cx="5102839" cy="5499890"/>
+            <a:off x="7681125" y="3265083"/>
+            <a:ext cx="4188394" cy="3267194"/>
           </a:xfrm>
           <a:prstGeom prst="rect">
             <a:avLst/>
@@ -7645,7 +7611,7 @@
       </p:pic>
       <p:pic>
         <p:nvPicPr>
-          <p:cNvPr id="4" name="그림 3"/>
+          <p:cNvPr id="5" name="그림 4"/>
           <p:cNvPicPr>
             <a:picLocks noChangeAspect="1"/>
           </p:cNvPicPr>
@@ -7659,8 +7625,8 @@
         </p:blipFill>
         <p:spPr>
           <a:xfrm>
-            <a:off x="7681125" y="3265083"/>
-            <a:ext cx="4188394" cy="3267194"/>
+            <a:off x="320515" y="333960"/>
+            <a:ext cx="4930266" cy="6198318"/>
           </a:xfrm>
           <a:prstGeom prst="rect">
             <a:avLst/>
@@ -7721,36 +7687,12 @@
           </a:prstGeom>
         </p:spPr>
       </p:pic>
-      <p:pic>
-        <p:nvPicPr>
-          <p:cNvPr id="3" name="그림 2"/>
-          <p:cNvPicPr>
-            <a:picLocks noChangeAspect="1"/>
-          </p:cNvPicPr>
-          <p:nvPr/>
-        </p:nvPicPr>
-        <p:blipFill>
-          <a:blip r:embed="rId3"/>
-          <a:stretch>
-            <a:fillRect/>
-          </a:stretch>
-        </p:blipFill>
-        <p:spPr>
-          <a:xfrm>
-            <a:off x="5582162" y="310243"/>
-            <a:ext cx="6308634" cy="6228878"/>
-          </a:xfrm>
-          <a:prstGeom prst="rect">
-            <a:avLst/>
-          </a:prstGeom>
-        </p:spPr>
-      </p:pic>
       <p:sp>
         <p:nvSpPr>
           <p:cNvPr id="2" name="제목 1">
             <a:extLst>
               <a:ext uri="{FF2B5EF4-FFF2-40B4-BE49-F238E27FC236}">
-                <a16:creationId xmlns="" xmlns:a16="http://schemas.microsoft.com/office/drawing/2014/main" id="{635C47BF-19DD-7A68-913E-EF8F14DBA234}"/>
+                <a16:creationId xmlns:a16="http://schemas.microsoft.com/office/drawing/2014/main" xmlns="" id="{635C47BF-19DD-7A68-913E-EF8F14DBA234}"/>
               </a:ext>
             </a:extLst>
           </p:cNvPr>
@@ -7783,9 +7725,6 @@
               </a:rPr>
               <a:t>폼 스타일 주기</a:t>
             </a:r>
-            <a:endParaRPr lang="ko-KR" altLang="en-US" sz="3200" dirty="0">
-              <a:latin typeface="+mj-ea"/>
-            </a:endParaRPr>
           </a:p>
         </p:txBody>
       </p:sp>
@@ -7794,7 +7733,7 @@
           <p:cNvPr id="8" name="TextBox 7">
             <a:extLst>
               <a:ext uri="{FF2B5EF4-FFF2-40B4-BE49-F238E27FC236}">
-                <a16:creationId xmlns="" xmlns:a16="http://schemas.microsoft.com/office/drawing/2014/main" id="{9EACEF18-3773-C1E3-C895-16E79BA820EE}"/>
+                <a16:creationId xmlns:a16="http://schemas.microsoft.com/office/drawing/2014/main" xmlns="" id="{9EACEF18-3773-C1E3-C895-16E79BA820EE}"/>
               </a:ext>
             </a:extLst>
           </p:cNvPr>
@@ -7854,7 +7793,7 @@
           <p:cNvPr id="7" name="화살표: 오른쪽 6">
             <a:extLst>
               <a:ext uri="{FF2B5EF4-FFF2-40B4-BE49-F238E27FC236}">
-                <a16:creationId xmlns="" xmlns:a16="http://schemas.microsoft.com/office/drawing/2014/main" id="{377F6EB9-04DD-E48B-35F4-1FDC8C656B50}"/>
+                <a16:creationId xmlns:a16="http://schemas.microsoft.com/office/drawing/2014/main" xmlns="" id="{377F6EB9-04DD-E48B-35F4-1FDC8C656B50}"/>
               </a:ext>
             </a:extLst>
           </p:cNvPr>
@@ -7863,7 +7802,7 @@
         </p:nvSpPr>
         <p:spPr>
           <a:xfrm rot="8590974">
-            <a:off x="4180086" y="2817346"/>
+            <a:off x="5045747" y="2817346"/>
             <a:ext cx="1335428" cy="666891"/>
           </a:xfrm>
           <a:prstGeom prst="rightArrow">
@@ -7895,6 +7834,30 @@
           </a:p>
         </p:txBody>
       </p:sp>
+      <p:pic>
+        <p:nvPicPr>
+          <p:cNvPr id="4" name="그림 3"/>
+          <p:cNvPicPr>
+            <a:picLocks noChangeAspect="1"/>
+          </p:cNvPicPr>
+          <p:nvPr/>
+        </p:nvPicPr>
+        <p:blipFill>
+          <a:blip r:embed="rId3"/>
+          <a:stretch>
+            <a:fillRect/>
+          </a:stretch>
+        </p:blipFill>
+        <p:spPr>
+          <a:xfrm>
+            <a:off x="6575277" y="318097"/>
+            <a:ext cx="5282002" cy="6221024"/>
+          </a:xfrm>
+          <a:prstGeom prst="rect">
+            <a:avLst/>
+          </a:prstGeom>
+        </p:spPr>
+      </p:pic>
     </p:spTree>
     <p:extLst>
       <p:ext uri="{BB962C8B-B14F-4D97-AF65-F5344CB8AC3E}">
@@ -7927,7 +7890,7 @@
       </p:grpSpPr>
       <p:pic>
         <p:nvPicPr>
-          <p:cNvPr id="3" name="그림 2"/>
+          <p:cNvPr id="5" name="그림 4"/>
           <p:cNvPicPr>
             <a:picLocks noChangeAspect="1"/>
           </p:cNvPicPr>
@@ -7941,8 +7904,8 @@
         </p:blipFill>
         <p:spPr>
           <a:xfrm>
-            <a:off x="479323" y="1032387"/>
-            <a:ext cx="7804065" cy="4111819"/>
+            <a:off x="479323" y="1139974"/>
+            <a:ext cx="6649378" cy="4401164"/>
           </a:xfrm>
           <a:prstGeom prst="rect">
             <a:avLst/>
@@ -7954,7 +7917,7 @@
           <p:cNvPr id="2" name="제목 1">
             <a:extLst>
               <a:ext uri="{FF2B5EF4-FFF2-40B4-BE49-F238E27FC236}">
-                <a16:creationId xmlns="" xmlns:a16="http://schemas.microsoft.com/office/drawing/2014/main" id="{635C47BF-19DD-7A68-913E-EF8F14DBA234}"/>
+                <a16:creationId xmlns:a16="http://schemas.microsoft.com/office/drawing/2014/main" xmlns="" id="{635C47BF-19DD-7A68-913E-EF8F14DBA234}"/>
               </a:ext>
             </a:extLst>
           </p:cNvPr>
@@ -7993,9 +7956,6 @@
               </a:rPr>
               <a:t>태그로 스타일 시트 만들기</a:t>
             </a:r>
-            <a:endParaRPr lang="ko-KR" altLang="en-US" sz="3200" dirty="0">
-              <a:latin typeface="+mj-ea"/>
-            </a:endParaRPr>
           </a:p>
         </p:txBody>
       </p:sp>
@@ -8015,8 +7975,8 @@
         </p:blipFill>
         <p:spPr>
           <a:xfrm>
-            <a:off x="6170330" y="5012357"/>
-            <a:ext cx="5620534" cy="1457528"/>
+            <a:off x="6991350" y="5222073"/>
+            <a:ext cx="4811824" cy="1247812"/>
           </a:xfrm>
           <a:prstGeom prst="rect">
             <a:avLst/>
@@ -8028,7 +7988,7 @@
           <p:cNvPr id="7" name="화살표: 오른쪽 6">
             <a:extLst>
               <a:ext uri="{FF2B5EF4-FFF2-40B4-BE49-F238E27FC236}">
-                <a16:creationId xmlns="" xmlns:a16="http://schemas.microsoft.com/office/drawing/2014/main" id="{377F6EB9-04DD-E48B-35F4-1FDC8C656B50}"/>
+                <a16:creationId xmlns:a16="http://schemas.microsoft.com/office/drawing/2014/main" xmlns="" id="{377F6EB9-04DD-E48B-35F4-1FDC8C656B50}"/>
               </a:ext>
             </a:extLst>
           </p:cNvPr>
@@ -8037,7 +7997,7 @@
         </p:nvSpPr>
         <p:spPr>
           <a:xfrm>
-            <a:off x="4540818" y="5802994"/>
+            <a:off x="5417083" y="5802994"/>
             <a:ext cx="1335428" cy="666891"/>
           </a:xfrm>
           <a:prstGeom prst="rightArrow">
@@ -8074,7 +8034,7 @@
           <p:cNvPr id="8" name="TextBox 7">
             <a:extLst>
               <a:ext uri="{FF2B5EF4-FFF2-40B4-BE49-F238E27FC236}">
-                <a16:creationId xmlns="" xmlns:a16="http://schemas.microsoft.com/office/drawing/2014/main" id="{9EACEF18-3773-C1E3-C895-16E79BA820EE}"/>
+                <a16:creationId xmlns:a16="http://schemas.microsoft.com/office/drawing/2014/main" xmlns="" id="{9EACEF18-3773-C1E3-C895-16E79BA820EE}"/>
               </a:ext>
             </a:extLst>
           </p:cNvPr>
@@ -8083,7 +8043,7 @@
         </p:nvSpPr>
         <p:spPr>
           <a:xfrm>
-            <a:off x="4434154" y="5172187"/>
+            <a:off x="7036333" y="4591266"/>
             <a:ext cx="1442092" cy="523220"/>
           </a:xfrm>
           <a:prstGeom prst="rect">
@@ -8133,6 +8093,121 @@
     <p:extLst>
       <p:ext uri="{BB962C8B-B14F-4D97-AF65-F5344CB8AC3E}">
         <p14:creationId xmlns:p14="http://schemas.microsoft.com/office/powerpoint/2010/main" val="202378836"/>
+      </p:ext>
+    </p:extLst>
+  </p:cSld>
+  <p:clrMapOvr>
+    <a:masterClrMapping/>
+  </p:clrMapOvr>
+</p:sld>
+</file>
+
+<file path=ppt/slides/slide30.xml><?xml version="1.0" encoding="utf-8"?>
+<p:sld xmlns:a="http://schemas.openxmlformats.org/drawingml/2006/main" xmlns:r="http://schemas.openxmlformats.org/officeDocument/2006/relationships" xmlns:p="http://schemas.openxmlformats.org/presentationml/2006/main">
+  <p:cSld>
+    <p:spTree>
+      <p:nvGrpSpPr>
+        <p:cNvPr id="1" name=""/>
+        <p:cNvGrpSpPr/>
+        <p:nvPr/>
+      </p:nvGrpSpPr>
+      <p:grpSpPr>
+        <a:xfrm>
+          <a:off x="0" y="0"/>
+          <a:ext cx="0" cy="0"/>
+          <a:chOff x="0" y="0"/>
+          <a:chExt cx="0" cy="0"/>
+        </a:xfrm>
+      </p:grpSpPr>
+    </p:spTree>
+    <p:extLst>
+      <p:ext uri="{BB962C8B-B14F-4D97-AF65-F5344CB8AC3E}">
+        <p14:creationId xmlns:p14="http://schemas.microsoft.com/office/powerpoint/2010/main" val="3224539788"/>
+      </p:ext>
+    </p:extLst>
+  </p:cSld>
+  <p:clrMapOvr>
+    <a:masterClrMapping/>
+  </p:clrMapOvr>
+</p:sld>
+</file>
+
+<file path=ppt/slides/slide31.xml><?xml version="1.0" encoding="utf-8"?>
+<p:sld xmlns:a="http://schemas.openxmlformats.org/drawingml/2006/main" xmlns:r="http://schemas.openxmlformats.org/officeDocument/2006/relationships" xmlns:p="http://schemas.openxmlformats.org/presentationml/2006/main">
+  <p:cSld>
+    <p:spTree>
+      <p:nvGrpSpPr>
+        <p:cNvPr id="1" name=""/>
+        <p:cNvGrpSpPr/>
+        <p:nvPr/>
+      </p:nvGrpSpPr>
+      <p:grpSpPr>
+        <a:xfrm>
+          <a:off x="0" y="0"/>
+          <a:ext cx="0" cy="0"/>
+          <a:chOff x="0" y="0"/>
+          <a:chExt cx="0" cy="0"/>
+        </a:xfrm>
+      </p:grpSpPr>
+      <p:sp>
+        <p:nvSpPr>
+          <p:cNvPr id="2" name="TextBox 1"/>
+          <p:cNvSpPr txBox="1"/>
+          <p:nvPr/>
+        </p:nvSpPr>
+        <p:spPr>
+          <a:xfrm>
+            <a:off x="2084438" y="2664543"/>
+            <a:ext cx="8062452" cy="830997"/>
+          </a:xfrm>
+          <a:prstGeom prst="rect">
+            <a:avLst/>
+          </a:prstGeom>
+          <a:noFill/>
+        </p:spPr>
+        <p:txBody>
+          <a:bodyPr wrap="square" rtlCol="0">
+            <a:spAutoFit/>
+          </a:bodyPr>
+          <a:lstStyle/>
+          <a:p>
+            <a:pPr algn="ctr"/>
+            <a:r>
+              <a:rPr lang="en-US" altLang="ko-KR" sz="4800" b="1" dirty="0" smtClean="0">
+                <a:solidFill>
+                  <a:schemeClr val="accent1"/>
+                </a:solidFill>
+              </a:rPr>
+              <a:t>&lt; </a:t>
+            </a:r>
+            <a:r>
+              <a:rPr lang="ko-KR" altLang="en-US" sz="4800" b="1" dirty="0" smtClean="0">
+                <a:solidFill>
+                  <a:schemeClr val="accent1"/>
+                </a:solidFill>
+              </a:rPr>
+              <a:t>노트필기 정리하기 </a:t>
+            </a:r>
+            <a:r>
+              <a:rPr lang="en-US" altLang="ko-KR" sz="4800" b="1" dirty="0" smtClean="0">
+                <a:solidFill>
+                  <a:schemeClr val="accent1"/>
+                </a:solidFill>
+              </a:rPr>
+              <a:t>&gt;</a:t>
+            </a:r>
+            <a:endParaRPr lang="ko-KR" altLang="en-US" sz="4800" b="1" dirty="0">
+              <a:solidFill>
+                <a:schemeClr val="accent1"/>
+              </a:solidFill>
+            </a:endParaRPr>
+          </a:p>
+        </p:txBody>
+      </p:sp>
+    </p:spTree>
+    <p:extLst>
+      <p:ext uri="{BB962C8B-B14F-4D97-AF65-F5344CB8AC3E}">
+        <p14:creationId xmlns:p14="http://schemas.microsoft.com/office/powerpoint/2010/main" val="3486118892"/>
       </p:ext>
     </p:extLst>
   </p:cSld>
@@ -8159,36 +8234,12 @@
           <a:chExt cx="0" cy="0"/>
         </a:xfrm>
       </p:grpSpPr>
-      <p:pic>
-        <p:nvPicPr>
-          <p:cNvPr id="3" name="그림 2"/>
-          <p:cNvPicPr>
-            <a:picLocks noChangeAspect="1"/>
-          </p:cNvPicPr>
-          <p:nvPr/>
-        </p:nvPicPr>
-        <p:blipFill>
-          <a:blip r:embed="rId2"/>
-          <a:stretch>
-            <a:fillRect/>
-          </a:stretch>
-        </p:blipFill>
-        <p:spPr>
-          <a:xfrm>
-            <a:off x="479323" y="1098686"/>
-            <a:ext cx="8113719" cy="3909245"/>
-          </a:xfrm>
-          <a:prstGeom prst="rect">
-            <a:avLst/>
-          </a:prstGeom>
-        </p:spPr>
-      </p:pic>
       <p:sp>
         <p:nvSpPr>
           <p:cNvPr id="2" name="제목 1">
             <a:extLst>
               <a:ext uri="{FF2B5EF4-FFF2-40B4-BE49-F238E27FC236}">
-                <a16:creationId xmlns="" xmlns:a16="http://schemas.microsoft.com/office/drawing/2014/main" id="{635C47BF-19DD-7A68-913E-EF8F14DBA234}"/>
+                <a16:creationId xmlns:a16="http://schemas.microsoft.com/office/drawing/2014/main" xmlns="" id="{635C47BF-19DD-7A68-913E-EF8F14DBA234}"/>
               </a:ext>
             </a:extLst>
           </p:cNvPr>
@@ -8227,9 +8278,6 @@
               </a:rPr>
               <a:t>속성에 스타일 시트 만들기</a:t>
             </a:r>
-            <a:endParaRPr lang="ko-KR" altLang="en-US" sz="3200" dirty="0">
-              <a:latin typeface="+mj-ea"/>
-            </a:endParaRPr>
           </a:p>
         </p:txBody>
       </p:sp>
@@ -8238,7 +8286,7 @@
           <p:cNvPr id="7" name="화살표: 오른쪽 6">
             <a:extLst>
               <a:ext uri="{FF2B5EF4-FFF2-40B4-BE49-F238E27FC236}">
-                <a16:creationId xmlns="" xmlns:a16="http://schemas.microsoft.com/office/drawing/2014/main" id="{377F6EB9-04DD-E48B-35F4-1FDC8C656B50}"/>
+                <a16:creationId xmlns:a16="http://schemas.microsoft.com/office/drawing/2014/main" xmlns="" id="{377F6EB9-04DD-E48B-35F4-1FDC8C656B50}"/>
               </a:ext>
             </a:extLst>
           </p:cNvPr>
@@ -8284,7 +8332,7 @@
           <p:cNvPr id="8" name="TextBox 7">
             <a:extLst>
               <a:ext uri="{FF2B5EF4-FFF2-40B4-BE49-F238E27FC236}">
-                <a16:creationId xmlns="" xmlns:a16="http://schemas.microsoft.com/office/drawing/2014/main" id="{9EACEF18-3773-C1E3-C895-16E79BA820EE}"/>
+                <a16:creationId xmlns:a16="http://schemas.microsoft.com/office/drawing/2014/main" xmlns="" id="{9EACEF18-3773-C1E3-C895-16E79BA820EE}"/>
               </a:ext>
             </a:extLst>
           </p:cNvPr>
@@ -8342,6 +8390,30 @@
       <p:pic>
         <p:nvPicPr>
           <p:cNvPr id="5" name="그림 4"/>
+          <p:cNvPicPr>
+            <a:picLocks noChangeAspect="1"/>
+          </p:cNvPicPr>
+          <p:nvPr/>
+        </p:nvPicPr>
+        <p:blipFill>
+          <a:blip r:embed="rId2"/>
+          <a:stretch>
+            <a:fillRect/>
+          </a:stretch>
+        </p:blipFill>
+        <p:spPr>
+          <a:xfrm>
+            <a:off x="8593042" y="3908440"/>
+            <a:ext cx="3308906" cy="2672993"/>
+          </a:xfrm>
+          <a:prstGeom prst="rect">
+            <a:avLst/>
+          </a:prstGeom>
+        </p:spPr>
+      </p:pic>
+      <p:pic>
+        <p:nvPicPr>
+          <p:cNvPr id="4" name="그림 3"/>
           <p:cNvPicPr>
             <a:picLocks noChangeAspect="1"/>
           </p:cNvPicPr>
@@ -8355,8 +8427,8 @@
         </p:blipFill>
         <p:spPr>
           <a:xfrm>
-            <a:off x="8593042" y="3908440"/>
-            <a:ext cx="3308906" cy="2672993"/>
+            <a:off x="479322" y="1032387"/>
+            <a:ext cx="7254977" cy="4145701"/>
           </a:xfrm>
           <a:prstGeom prst="rect">
             <a:avLst/>
@@ -8398,7 +8470,7 @@
           <p:cNvPr id="2" name="제목 1">
             <a:extLst>
               <a:ext uri="{FF2B5EF4-FFF2-40B4-BE49-F238E27FC236}">
-                <a16:creationId xmlns="" xmlns:a16="http://schemas.microsoft.com/office/drawing/2014/main" id="{635C47BF-19DD-7A68-913E-EF8F14DBA234}"/>
+                <a16:creationId xmlns:a16="http://schemas.microsoft.com/office/drawing/2014/main" xmlns="" id="{635C47BF-19DD-7A68-913E-EF8F14DBA234}"/>
               </a:ext>
             </a:extLst>
           </p:cNvPr>
@@ -8455,9 +8527,6 @@
               </a:rPr>
               <a:t>파일 불러오기</a:t>
             </a:r>
-            <a:endParaRPr lang="ko-KR" altLang="en-US" sz="3200" dirty="0">
-              <a:latin typeface="+mj-ea"/>
-            </a:endParaRPr>
           </a:p>
         </p:txBody>
       </p:sp>
@@ -8466,7 +8535,7 @@
           <p:cNvPr id="7" name="화살표: 오른쪽 6">
             <a:extLst>
               <a:ext uri="{FF2B5EF4-FFF2-40B4-BE49-F238E27FC236}">
-                <a16:creationId xmlns="" xmlns:a16="http://schemas.microsoft.com/office/drawing/2014/main" id="{377F6EB9-04DD-E48B-35F4-1FDC8C656B50}"/>
+                <a16:creationId xmlns:a16="http://schemas.microsoft.com/office/drawing/2014/main" xmlns="" id="{377F6EB9-04DD-E48B-35F4-1FDC8C656B50}"/>
               </a:ext>
             </a:extLst>
           </p:cNvPr>
@@ -8512,7 +8581,7 @@
           <p:cNvPr id="8" name="TextBox 7">
             <a:extLst>
               <a:ext uri="{FF2B5EF4-FFF2-40B4-BE49-F238E27FC236}">
-                <a16:creationId xmlns="" xmlns:a16="http://schemas.microsoft.com/office/drawing/2014/main" id="{9EACEF18-3773-C1E3-C895-16E79BA820EE}"/>
+                <a16:creationId xmlns:a16="http://schemas.microsoft.com/office/drawing/2014/main" xmlns="" id="{9EACEF18-3773-C1E3-C895-16E79BA820EE}"/>
               </a:ext>
             </a:extLst>
           </p:cNvPr>
@@ -8569,7 +8638,7 @@
       </p:sp>
       <p:pic>
         <p:nvPicPr>
-          <p:cNvPr id="3" name="그림 2"/>
+          <p:cNvPr id="4" name="그림 3"/>
           <p:cNvPicPr>
             <a:picLocks noChangeAspect="1"/>
           </p:cNvPicPr>
@@ -8583,8 +8652,8 @@
         </p:blipFill>
         <p:spPr>
           <a:xfrm>
-            <a:off x="479323" y="1241101"/>
-            <a:ext cx="9714654" cy="3177311"/>
+            <a:off x="6467288" y="4484711"/>
+            <a:ext cx="5395266" cy="2092709"/>
           </a:xfrm>
           <a:prstGeom prst="rect">
             <a:avLst/>
@@ -8593,7 +8662,7 @@
       </p:pic>
       <p:pic>
         <p:nvPicPr>
-          <p:cNvPr id="4" name="그림 3"/>
+          <p:cNvPr id="5" name="그림 4"/>
           <p:cNvPicPr>
             <a:picLocks noChangeAspect="1"/>
           </p:cNvPicPr>
@@ -8607,8 +8676,8 @@
         </p:blipFill>
         <p:spPr>
           <a:xfrm>
-            <a:off x="6467288" y="4484711"/>
-            <a:ext cx="5395266" cy="2092709"/>
+            <a:off x="479323" y="1032387"/>
+            <a:ext cx="8836127" cy="3440503"/>
           </a:xfrm>
           <a:prstGeom prst="rect">
             <a:avLst/>
@@ -8674,7 +8743,7 @@
           <p:cNvPr id="2" name="제목 1">
             <a:extLst>
               <a:ext uri="{FF2B5EF4-FFF2-40B4-BE49-F238E27FC236}">
-                <a16:creationId xmlns="" xmlns:a16="http://schemas.microsoft.com/office/drawing/2014/main" id="{635C47BF-19DD-7A68-913E-EF8F14DBA234}"/>
+                <a16:creationId xmlns:a16="http://schemas.microsoft.com/office/drawing/2014/main" xmlns="" id="{635C47BF-19DD-7A68-913E-EF8F14DBA234}"/>
               </a:ext>
             </a:extLst>
           </p:cNvPr>
@@ -8719,9 +8788,6 @@
               </a:rPr>
               <a:t>외부 스타일 불러오기</a:t>
             </a:r>
-            <a:endParaRPr lang="ko-KR" altLang="en-US" sz="3200" dirty="0">
-              <a:latin typeface="+mj-ea"/>
-            </a:endParaRPr>
           </a:p>
         </p:txBody>
       </p:sp>
@@ -8730,7 +8796,7 @@
           <p:cNvPr id="7" name="화살표: 오른쪽 6">
             <a:extLst>
               <a:ext uri="{FF2B5EF4-FFF2-40B4-BE49-F238E27FC236}">
-                <a16:creationId xmlns="" xmlns:a16="http://schemas.microsoft.com/office/drawing/2014/main" id="{377F6EB9-04DD-E48B-35F4-1FDC8C656B50}"/>
+                <a16:creationId xmlns:a16="http://schemas.microsoft.com/office/drawing/2014/main" xmlns="" id="{377F6EB9-04DD-E48B-35F4-1FDC8C656B50}"/>
               </a:ext>
             </a:extLst>
           </p:cNvPr>
@@ -8776,7 +8842,7 @@
           <p:cNvPr id="8" name="TextBox 7">
             <a:extLst>
               <a:ext uri="{FF2B5EF4-FFF2-40B4-BE49-F238E27FC236}">
-                <a16:creationId xmlns="" xmlns:a16="http://schemas.microsoft.com/office/drawing/2014/main" id="{9EACEF18-3773-C1E3-C895-16E79BA820EE}"/>
+                <a16:creationId xmlns:a16="http://schemas.microsoft.com/office/drawing/2014/main" xmlns="" id="{9EACEF18-3773-C1E3-C895-16E79BA820EE}"/>
               </a:ext>
             </a:extLst>
           </p:cNvPr>
@@ -8833,7 +8899,7 @@
       </p:sp>
       <p:pic>
         <p:nvPicPr>
-          <p:cNvPr id="3" name="그림 2"/>
+          <p:cNvPr id="4" name="그림 3"/>
           <p:cNvPicPr>
             <a:picLocks noChangeAspect="1"/>
           </p:cNvPicPr>
@@ -8847,8 +8913,8 @@
         </p:blipFill>
         <p:spPr>
           <a:xfrm>
-            <a:off x="479323" y="1172415"/>
-            <a:ext cx="9548960" cy="3312296"/>
+            <a:off x="479322" y="1053742"/>
+            <a:ext cx="7883627" cy="3417367"/>
           </a:xfrm>
           <a:prstGeom prst="rect">
             <a:avLst/>
@@ -8914,7 +8980,7 @@
           <p:cNvPr id="2" name="제목 1">
             <a:extLst>
               <a:ext uri="{FF2B5EF4-FFF2-40B4-BE49-F238E27FC236}">
-                <a16:creationId xmlns="" xmlns:a16="http://schemas.microsoft.com/office/drawing/2014/main" id="{635C47BF-19DD-7A68-913E-EF8F14DBA234}"/>
+                <a16:creationId xmlns:a16="http://schemas.microsoft.com/office/drawing/2014/main" xmlns="" id="{635C47BF-19DD-7A68-913E-EF8F14DBA234}"/>
               </a:ext>
             </a:extLst>
           </p:cNvPr>
@@ -8983,9 +9049,6 @@
               </a:rPr>
               <a:t>태그의 스타일을 상속받는 사례</a:t>
             </a:r>
-            <a:endParaRPr lang="ko-KR" altLang="en-US" sz="3200" dirty="0">
-              <a:latin typeface="+mj-ea"/>
-            </a:endParaRPr>
           </a:p>
         </p:txBody>
       </p:sp>
@@ -8994,7 +9057,7 @@
           <p:cNvPr id="7" name="화살표: 오른쪽 6">
             <a:extLst>
               <a:ext uri="{FF2B5EF4-FFF2-40B4-BE49-F238E27FC236}">
-                <a16:creationId xmlns="" xmlns:a16="http://schemas.microsoft.com/office/drawing/2014/main" id="{377F6EB9-04DD-E48B-35F4-1FDC8C656B50}"/>
+                <a16:creationId xmlns:a16="http://schemas.microsoft.com/office/drawing/2014/main" xmlns="" id="{377F6EB9-04DD-E48B-35F4-1FDC8C656B50}"/>
               </a:ext>
             </a:extLst>
           </p:cNvPr>
@@ -9040,7 +9103,7 @@
           <p:cNvPr id="8" name="TextBox 7">
             <a:extLst>
               <a:ext uri="{FF2B5EF4-FFF2-40B4-BE49-F238E27FC236}">
-                <a16:creationId xmlns="" xmlns:a16="http://schemas.microsoft.com/office/drawing/2014/main" id="{9EACEF18-3773-C1E3-C895-16E79BA820EE}"/>
+                <a16:creationId xmlns:a16="http://schemas.microsoft.com/office/drawing/2014/main" xmlns="" id="{9EACEF18-3773-C1E3-C895-16E79BA820EE}"/>
               </a:ext>
             </a:extLst>
           </p:cNvPr>
@@ -9097,7 +9160,7 @@
       </p:sp>
       <p:pic>
         <p:nvPicPr>
-          <p:cNvPr id="3" name="그림 2"/>
+          <p:cNvPr id="5" name="그림 4"/>
           <p:cNvPicPr>
             <a:picLocks noChangeAspect="1"/>
           </p:cNvPicPr>
@@ -9111,8 +9174,8 @@
         </p:blipFill>
         <p:spPr>
           <a:xfrm>
-            <a:off x="532361" y="1213872"/>
-            <a:ext cx="9720564" cy="3232833"/>
+            <a:off x="479323" y="1120746"/>
+            <a:ext cx="8683727" cy="3325959"/>
           </a:xfrm>
           <a:prstGeom prst="rect">
             <a:avLst/>
@@ -9154,7 +9217,7 @@
           <p:cNvPr id="2" name="제목 1">
             <a:extLst>
               <a:ext uri="{FF2B5EF4-FFF2-40B4-BE49-F238E27FC236}">
-                <a16:creationId xmlns="" xmlns:a16="http://schemas.microsoft.com/office/drawing/2014/main" id="{635C47BF-19DD-7A68-913E-EF8F14DBA234}"/>
+                <a16:creationId xmlns:a16="http://schemas.microsoft.com/office/drawing/2014/main" xmlns="" id="{635C47BF-19DD-7A68-913E-EF8F14DBA234}"/>
               </a:ext>
             </a:extLst>
           </p:cNvPr>
@@ -9204,7 +9267,7 @@
           <p:cNvPr id="7" name="화살표: 오른쪽 6">
             <a:extLst>
               <a:ext uri="{FF2B5EF4-FFF2-40B4-BE49-F238E27FC236}">
-                <a16:creationId xmlns="" xmlns:a16="http://schemas.microsoft.com/office/drawing/2014/main" id="{377F6EB9-04DD-E48B-35F4-1FDC8C656B50}"/>
+                <a16:creationId xmlns:a16="http://schemas.microsoft.com/office/drawing/2014/main" xmlns="" id="{377F6EB9-04DD-E48B-35F4-1FDC8C656B50}"/>
               </a:ext>
             </a:extLst>
           </p:cNvPr>
@@ -9250,7 +9313,7 @@
           <p:cNvPr id="8" name="TextBox 7">
             <a:extLst>
               <a:ext uri="{FF2B5EF4-FFF2-40B4-BE49-F238E27FC236}">
-                <a16:creationId xmlns="" xmlns:a16="http://schemas.microsoft.com/office/drawing/2014/main" id="{9EACEF18-3773-C1E3-C895-16E79BA820EE}"/>
+                <a16:creationId xmlns:a16="http://schemas.microsoft.com/office/drawing/2014/main" xmlns="" id="{9EACEF18-3773-C1E3-C895-16E79BA820EE}"/>
               </a:ext>
             </a:extLst>
           </p:cNvPr>
@@ -9307,7 +9370,7 @@
       </p:sp>
       <p:pic>
         <p:nvPicPr>
-          <p:cNvPr id="3" name="그림 2"/>
+          <p:cNvPr id="4" name="그림 3"/>
           <p:cNvPicPr>
             <a:picLocks noChangeAspect="1"/>
           </p:cNvPicPr>
@@ -9321,8 +9384,8 @@
         </p:blipFill>
         <p:spPr>
           <a:xfrm>
-            <a:off x="479323" y="1098686"/>
-            <a:ext cx="7725853" cy="3515216"/>
+            <a:off x="6049077" y="4400059"/>
+            <a:ext cx="5856053" cy="2184214"/>
           </a:xfrm>
           <a:prstGeom prst="rect">
             <a:avLst/>
@@ -9331,7 +9394,7 @@
       </p:pic>
       <p:pic>
         <p:nvPicPr>
-          <p:cNvPr id="4" name="그림 3"/>
+          <p:cNvPr id="5" name="그림 4"/>
           <p:cNvPicPr>
             <a:picLocks noChangeAspect="1"/>
           </p:cNvPicPr>
@@ -9345,8 +9408,8 @@
         </p:blipFill>
         <p:spPr>
           <a:xfrm>
-            <a:off x="6049077" y="4400059"/>
-            <a:ext cx="5856053" cy="2184214"/>
+            <a:off x="479322" y="1032387"/>
+            <a:ext cx="5978627" cy="3380533"/>
           </a:xfrm>
           <a:prstGeom prst="rect">
             <a:avLst/>
@@ -9383,36 +9446,12 @@
           <a:chExt cx="0" cy="0"/>
         </a:xfrm>
       </p:grpSpPr>
-      <p:pic>
-        <p:nvPicPr>
-          <p:cNvPr id="6" name="그림 5"/>
-          <p:cNvPicPr>
-            <a:picLocks noChangeAspect="1"/>
-          </p:cNvPicPr>
-          <p:nvPr/>
-        </p:nvPicPr>
-        <p:blipFill>
-          <a:blip r:embed="rId2"/>
-          <a:stretch>
-            <a:fillRect/>
-          </a:stretch>
-        </p:blipFill>
-        <p:spPr>
-          <a:xfrm>
-            <a:off x="331861" y="1090414"/>
-            <a:ext cx="5991593" cy="5446076"/>
-          </a:xfrm>
-          <a:prstGeom prst="rect">
-            <a:avLst/>
-          </a:prstGeom>
-        </p:spPr>
-      </p:pic>
       <p:sp>
         <p:nvSpPr>
           <p:cNvPr id="2" name="제목 1">
             <a:extLst>
               <a:ext uri="{FF2B5EF4-FFF2-40B4-BE49-F238E27FC236}">
-                <a16:creationId xmlns="" xmlns:a16="http://schemas.microsoft.com/office/drawing/2014/main" id="{635C47BF-19DD-7A68-913E-EF8F14DBA234}"/>
+                <a16:creationId xmlns:a16="http://schemas.microsoft.com/office/drawing/2014/main" xmlns="" id="{635C47BF-19DD-7A68-913E-EF8F14DBA234}"/>
               </a:ext>
             </a:extLst>
           </p:cNvPr>
@@ -9451,9 +9490,6 @@
               </a:rPr>
               <a:t> 활용</a:t>
             </a:r>
-            <a:endParaRPr lang="ko-KR" altLang="en-US" sz="3200" dirty="0">
-              <a:latin typeface="+mj-ea"/>
-            </a:endParaRPr>
           </a:p>
         </p:txBody>
       </p:sp>
@@ -9462,7 +9498,7 @@
           <p:cNvPr id="7" name="화살표: 오른쪽 6">
             <a:extLst>
               <a:ext uri="{FF2B5EF4-FFF2-40B4-BE49-F238E27FC236}">
-                <a16:creationId xmlns="" xmlns:a16="http://schemas.microsoft.com/office/drawing/2014/main" id="{377F6EB9-04DD-E48B-35F4-1FDC8C656B50}"/>
+                <a16:creationId xmlns:a16="http://schemas.microsoft.com/office/drawing/2014/main" xmlns="" id="{377F6EB9-04DD-E48B-35F4-1FDC8C656B50}"/>
               </a:ext>
             </a:extLst>
           </p:cNvPr>
@@ -9508,7 +9544,7 @@
           <p:cNvPr id="8" name="TextBox 7">
             <a:extLst>
               <a:ext uri="{FF2B5EF4-FFF2-40B4-BE49-F238E27FC236}">
-                <a16:creationId xmlns="" xmlns:a16="http://schemas.microsoft.com/office/drawing/2014/main" id="{9EACEF18-3773-C1E3-C895-16E79BA820EE}"/>
+                <a16:creationId xmlns:a16="http://schemas.microsoft.com/office/drawing/2014/main" xmlns="" id="{9EACEF18-3773-C1E3-C895-16E79BA820EE}"/>
               </a:ext>
             </a:extLst>
           </p:cNvPr>
@@ -9566,6 +9602,30 @@
       <p:pic>
         <p:nvPicPr>
           <p:cNvPr id="9" name="그림 8"/>
+          <p:cNvPicPr>
+            <a:picLocks noChangeAspect="1"/>
+          </p:cNvPicPr>
+          <p:nvPr/>
+        </p:nvPicPr>
+        <p:blipFill>
+          <a:blip r:embed="rId2"/>
+          <a:stretch>
+            <a:fillRect/>
+          </a:stretch>
+        </p:blipFill>
+        <p:spPr>
+          <a:xfrm>
+            <a:off x="7783097" y="3085640"/>
+            <a:ext cx="4096009" cy="3450850"/>
+          </a:xfrm>
+          <a:prstGeom prst="rect">
+            <a:avLst/>
+          </a:prstGeom>
+        </p:spPr>
+      </p:pic>
+      <p:pic>
+        <p:nvPicPr>
+          <p:cNvPr id="3" name="그림 2"/>
           <p:cNvPicPr>
             <a:picLocks noChangeAspect="1"/>
           </p:cNvPicPr>
@@ -9579,8 +9639,8 @@
         </p:blipFill>
         <p:spPr>
           <a:xfrm>
-            <a:off x="7783097" y="3085640"/>
-            <a:ext cx="4096009" cy="3450850"/>
+            <a:off x="479323" y="1058851"/>
+            <a:ext cx="4734586" cy="5477639"/>
           </a:xfrm>
           <a:prstGeom prst="rect">
             <a:avLst/>

--- a/과제PPT/기업업무 2강.pptx
+++ b/과제PPT/기업업무 2강.pptx
@@ -34,8 +34,8 @@
     <p:sldId id="292" r:id="rId28"/>
     <p:sldId id="293" r:id="rId29"/>
     <p:sldId id="294" r:id="rId30"/>
-    <p:sldId id="299" r:id="rId31"/>
-    <p:sldId id="300" r:id="rId32"/>
+    <p:sldId id="300" r:id="rId31"/>
+    <p:sldId id="299" r:id="rId32"/>
   </p:sldIdLst>
   <p:sldSz cx="12192000" cy="6858000"/>
   <p:notesSz cx="6858000" cy="9144000"/>
@@ -354,7 +354,7 @@
             <a:fld id="{96DFF08F-DC6B-4601-B491-B0F83F6DD2DA}" type="datetimeFigureOut">
               <a:rPr lang="en-US" dirty="0"/>
               <a:pPr/>
-              <a:t>5/19/2023</a:t>
+              <a:t>5/20/2023</a:t>
             </a:fld>
             <a:endParaRPr lang="en-US" dirty="0"/>
           </a:p>
@@ -571,7 +571,7 @@
           <a:p>
             <a:fld id="{96DFF08F-DC6B-4601-B491-B0F83F6DD2DA}" type="datetimeFigureOut">
               <a:rPr lang="en-US" dirty="0"/>
-              <a:t>5/19/2023</a:t>
+              <a:t>5/20/2023</a:t>
             </a:fld>
             <a:endParaRPr lang="en-US" dirty="0"/>
           </a:p>
@@ -746,7 +746,7 @@
           <a:p>
             <a:fld id="{96DFF08F-DC6B-4601-B491-B0F83F6DD2DA}" type="datetimeFigureOut">
               <a:rPr lang="en-US" dirty="0"/>
-              <a:t>5/19/2023</a:t>
+              <a:t>5/20/2023</a:t>
             </a:fld>
             <a:endParaRPr lang="en-US" dirty="0"/>
           </a:p>
@@ -911,7 +911,7 @@
           <a:p>
             <a:fld id="{96DFF08F-DC6B-4601-B491-B0F83F6DD2DA}" type="datetimeFigureOut">
               <a:rPr lang="en-US" dirty="0"/>
-              <a:t>5/19/2023</a:t>
+              <a:t>5/20/2023</a:t>
             </a:fld>
             <a:endParaRPr lang="en-US" dirty="0"/>
           </a:p>
@@ -1180,7 +1180,7 @@
           <a:p>
             <a:fld id="{96DFF08F-DC6B-4601-B491-B0F83F6DD2DA}" type="datetimeFigureOut">
               <a:rPr lang="en-US" dirty="0"/>
-              <a:t>5/19/2023</a:t>
+              <a:t>5/20/2023</a:t>
             </a:fld>
             <a:endParaRPr lang="en-US" dirty="0"/>
           </a:p>
@@ -1498,7 +1498,7 @@
           <a:p>
             <a:fld id="{96DFF08F-DC6B-4601-B491-B0F83F6DD2DA}" type="datetimeFigureOut">
               <a:rPr lang="en-US" dirty="0"/>
-              <a:t>5/19/2023</a:t>
+              <a:t>5/20/2023</a:t>
             </a:fld>
             <a:endParaRPr lang="en-US" dirty="0"/>
           </a:p>
@@ -1917,7 +1917,7 @@
           <a:p>
             <a:fld id="{96DFF08F-DC6B-4601-B491-B0F83F6DD2DA}" type="datetimeFigureOut">
               <a:rPr lang="en-US" dirty="0"/>
-              <a:t>5/19/2023</a:t>
+              <a:t>5/20/2023</a:t>
             </a:fld>
             <a:endParaRPr lang="en-US" dirty="0"/>
           </a:p>
@@ -2030,7 +2030,7 @@
           <a:p>
             <a:fld id="{96DFF08F-DC6B-4601-B491-B0F83F6DD2DA}" type="datetimeFigureOut">
               <a:rPr lang="en-US" dirty="0"/>
-              <a:t>5/19/2023</a:t>
+              <a:t>5/20/2023</a:t>
             </a:fld>
             <a:endParaRPr lang="en-US" dirty="0"/>
           </a:p>
@@ -2120,7 +2120,7 @@
           <a:p>
             <a:fld id="{96DFF08F-DC6B-4601-B491-B0F83F6DD2DA}" type="datetimeFigureOut">
               <a:rPr lang="en-US" dirty="0"/>
-              <a:t>5/19/2023</a:t>
+              <a:t>5/20/2023</a:t>
             </a:fld>
             <a:endParaRPr lang="en-US" dirty="0"/>
           </a:p>
@@ -2405,7 +2405,7 @@
           <a:p>
             <a:fld id="{96DFF08F-DC6B-4601-B491-B0F83F6DD2DA}" type="datetimeFigureOut">
               <a:rPr lang="en-US" dirty="0"/>
-              <a:t>5/19/2023</a:t>
+              <a:t>5/20/2023</a:t>
             </a:fld>
             <a:endParaRPr lang="en-US" dirty="0"/>
           </a:p>
@@ -2672,7 +2672,7 @@
           <a:p>
             <a:fld id="{96DFF08F-DC6B-4601-B491-B0F83F6DD2DA}" type="datetimeFigureOut">
               <a:rPr lang="en-US" dirty="0"/>
-              <a:t>5/19/2023</a:t>
+              <a:t>5/20/2023</a:t>
             </a:fld>
             <a:endParaRPr lang="en-US" dirty="0"/>
           </a:p>
@@ -2922,7 +2922,7 @@
             <a:fld id="{96DFF08F-DC6B-4601-B491-B0F83F6DD2DA}" type="datetimeFigureOut">
               <a:rPr lang="en-US" dirty="0"/>
               <a:pPr/>
-              <a:t>5/19/2023</a:t>
+              <a:t>5/20/2023</a:t>
             </a:fld>
             <a:endParaRPr lang="en-US" dirty="0"/>
           </a:p>
@@ -3434,7 +3434,7 @@
               <a:t>2</a:t>
             </a:r>
             <a:r>
-              <a:rPr lang="ko-KR" altLang="en-US" dirty="0" smtClean="0">
+              <a:rPr lang="ko-KR" altLang="en-US" dirty="0">
                 <a:solidFill>
                   <a:schemeClr val="accent1"/>
                 </a:solidFill>
@@ -3450,20 +3450,6 @@
               </a:rPr>
               <a:t>강</a:t>
             </a:r>
-            <a:endParaRPr lang="ko-KR" altLang="en-US" dirty="0">
-              <a:solidFill>
-                <a:schemeClr val="accent1"/>
-              </a:solidFill>
-              <a:effectLst>
-                <a:outerShdw blurRad="38100" dist="38100" dir="2700000" algn="tl">
-                  <a:srgbClr val="000000">
-                    <a:alpha val="43137"/>
-                  </a:srgbClr>
-                </a:outerShdw>
-              </a:effectLst>
-              <a:latin typeface="+mj-ea"/>
-              <a:ea typeface="+mj-ea"/>
-            </a:endParaRPr>
           </a:p>
         </p:txBody>
       </p:sp>
@@ -3612,7 +3598,7 @@
           <p:cNvPr id="2" name="제목 1">
             <a:extLst>
               <a:ext uri="{FF2B5EF4-FFF2-40B4-BE49-F238E27FC236}">
-                <a16:creationId xmlns:a16="http://schemas.microsoft.com/office/drawing/2014/main" xmlns="" id="{635C47BF-19DD-7A68-913E-EF8F14DBA234}"/>
+                <a16:creationId xmlns:a16="http://schemas.microsoft.com/office/drawing/2014/main" id="{635C47BF-19DD-7A68-913E-EF8F14DBA234}"/>
               </a:ext>
             </a:extLst>
           </p:cNvPr>
@@ -3659,7 +3645,7 @@
           <p:cNvPr id="7" name="화살표: 오른쪽 6">
             <a:extLst>
               <a:ext uri="{FF2B5EF4-FFF2-40B4-BE49-F238E27FC236}">
-                <a16:creationId xmlns:a16="http://schemas.microsoft.com/office/drawing/2014/main" xmlns="" id="{377F6EB9-04DD-E48B-35F4-1FDC8C656B50}"/>
+                <a16:creationId xmlns:a16="http://schemas.microsoft.com/office/drawing/2014/main" id="{377F6EB9-04DD-E48B-35F4-1FDC8C656B50}"/>
               </a:ext>
             </a:extLst>
           </p:cNvPr>
@@ -3705,7 +3691,7 @@
           <p:cNvPr id="8" name="TextBox 7">
             <a:extLst>
               <a:ext uri="{FF2B5EF4-FFF2-40B4-BE49-F238E27FC236}">
-                <a16:creationId xmlns:a16="http://schemas.microsoft.com/office/drawing/2014/main" xmlns="" id="{9EACEF18-3773-C1E3-C895-16E79BA820EE}"/>
+                <a16:creationId xmlns:a16="http://schemas.microsoft.com/office/drawing/2014/main" id="{9EACEF18-3773-C1E3-C895-16E79BA820EE}"/>
               </a:ext>
             </a:extLst>
           </p:cNvPr>
@@ -3843,7 +3829,7 @@
           <p:cNvPr id="2" name="제목 1">
             <a:extLst>
               <a:ext uri="{FF2B5EF4-FFF2-40B4-BE49-F238E27FC236}">
-                <a16:creationId xmlns:a16="http://schemas.microsoft.com/office/drawing/2014/main" xmlns="" id="{635C47BF-19DD-7A68-913E-EF8F14DBA234}"/>
+                <a16:creationId xmlns:a16="http://schemas.microsoft.com/office/drawing/2014/main" id="{635C47BF-19DD-7A68-913E-EF8F14DBA234}"/>
               </a:ext>
             </a:extLst>
           </p:cNvPr>
@@ -3962,7 +3948,7 @@
           <p:cNvPr id="3" name="화살표: 오른쪽 6">
             <a:extLst>
               <a:ext uri="{FF2B5EF4-FFF2-40B4-BE49-F238E27FC236}">
-                <a16:creationId xmlns:a16="http://schemas.microsoft.com/office/drawing/2014/main" xmlns="" id="{377F6EB9-04DD-E48B-35F4-1FDC8C656B50}"/>
+                <a16:creationId xmlns:a16="http://schemas.microsoft.com/office/drawing/2014/main" id="{377F6EB9-04DD-E48B-35F4-1FDC8C656B50}"/>
               </a:ext>
             </a:extLst>
           </p:cNvPr>
@@ -4008,7 +3994,7 @@
           <p:cNvPr id="4" name="TextBox 3">
             <a:extLst>
               <a:ext uri="{FF2B5EF4-FFF2-40B4-BE49-F238E27FC236}">
-                <a16:creationId xmlns:a16="http://schemas.microsoft.com/office/drawing/2014/main" xmlns="" id="{9EACEF18-3773-C1E3-C895-16E79BA820EE}"/>
+                <a16:creationId xmlns:a16="http://schemas.microsoft.com/office/drawing/2014/main" id="{9EACEF18-3773-C1E3-C895-16E79BA820EE}"/>
               </a:ext>
             </a:extLst>
           </p:cNvPr>
@@ -4098,7 +4084,7 @@
           <p:cNvPr id="2" name="제목 1">
             <a:extLst>
               <a:ext uri="{FF2B5EF4-FFF2-40B4-BE49-F238E27FC236}">
-                <a16:creationId xmlns:a16="http://schemas.microsoft.com/office/drawing/2014/main" xmlns="" id="{635C47BF-19DD-7A68-913E-EF8F14DBA234}"/>
+                <a16:creationId xmlns:a16="http://schemas.microsoft.com/office/drawing/2014/main" id="{635C47BF-19DD-7A68-913E-EF8F14DBA234}"/>
               </a:ext>
             </a:extLst>
           </p:cNvPr>
@@ -4145,7 +4131,7 @@
           <p:cNvPr id="7" name="화살표: 오른쪽 6">
             <a:extLst>
               <a:ext uri="{FF2B5EF4-FFF2-40B4-BE49-F238E27FC236}">
-                <a16:creationId xmlns:a16="http://schemas.microsoft.com/office/drawing/2014/main" xmlns="" id="{377F6EB9-04DD-E48B-35F4-1FDC8C656B50}"/>
+                <a16:creationId xmlns:a16="http://schemas.microsoft.com/office/drawing/2014/main" id="{377F6EB9-04DD-E48B-35F4-1FDC8C656B50}"/>
               </a:ext>
             </a:extLst>
           </p:cNvPr>
@@ -4191,7 +4177,7 @@
           <p:cNvPr id="8" name="TextBox 7">
             <a:extLst>
               <a:ext uri="{FF2B5EF4-FFF2-40B4-BE49-F238E27FC236}">
-                <a16:creationId xmlns:a16="http://schemas.microsoft.com/office/drawing/2014/main" xmlns="" id="{9EACEF18-3773-C1E3-C895-16E79BA820EE}"/>
+                <a16:creationId xmlns:a16="http://schemas.microsoft.com/office/drawing/2014/main" id="{9EACEF18-3773-C1E3-C895-16E79BA820EE}"/>
               </a:ext>
             </a:extLst>
           </p:cNvPr>
@@ -4329,7 +4315,7 @@
           <p:cNvPr id="2" name="제목 1">
             <a:extLst>
               <a:ext uri="{FF2B5EF4-FFF2-40B4-BE49-F238E27FC236}">
-                <a16:creationId xmlns:a16="http://schemas.microsoft.com/office/drawing/2014/main" xmlns="" id="{635C47BF-19DD-7A68-913E-EF8F14DBA234}"/>
+                <a16:creationId xmlns:a16="http://schemas.microsoft.com/office/drawing/2014/main" id="{635C47BF-19DD-7A68-913E-EF8F14DBA234}"/>
               </a:ext>
             </a:extLst>
           </p:cNvPr>
@@ -4360,25 +4346,13 @@
               <a:rPr lang="en-US" altLang="ko-KR" sz="3200" dirty="0">
                 <a:latin typeface="+mj-ea"/>
               </a:rPr>
-              <a:t>&lt;</a:t>
-            </a:r>
-            <a:r>
-              <a:rPr lang="en-US" altLang="ko-KR" sz="3200" dirty="0" smtClean="0">
-                <a:latin typeface="+mj-ea"/>
-              </a:rPr>
-              <a:t>div&gt;</a:t>
-            </a:r>
-            <a:r>
-              <a:rPr lang="ko-KR" altLang="en-US" sz="3200" dirty="0" smtClean="0">
-                <a:latin typeface="+mj-ea"/>
-              </a:rPr>
-              <a:t>의 </a:t>
+              <a:t>&lt;div&gt;</a:t>
             </a:r>
             <a:r>
               <a:rPr lang="ko-KR" altLang="en-US" sz="3200" dirty="0">
                 <a:latin typeface="+mj-ea"/>
               </a:rPr>
-              <a:t>박스 모델</a:t>
+              <a:t>의 박스 모델</a:t>
             </a:r>
           </a:p>
         </p:txBody>
@@ -4388,7 +4362,7 @@
           <p:cNvPr id="7" name="화살표: 오른쪽 6">
             <a:extLst>
               <a:ext uri="{FF2B5EF4-FFF2-40B4-BE49-F238E27FC236}">
-                <a16:creationId xmlns:a16="http://schemas.microsoft.com/office/drawing/2014/main" xmlns="" id="{377F6EB9-04DD-E48B-35F4-1FDC8C656B50}"/>
+                <a16:creationId xmlns:a16="http://schemas.microsoft.com/office/drawing/2014/main" id="{377F6EB9-04DD-E48B-35F4-1FDC8C656B50}"/>
               </a:ext>
             </a:extLst>
           </p:cNvPr>
@@ -4434,7 +4408,7 @@
           <p:cNvPr id="8" name="TextBox 7">
             <a:extLst>
               <a:ext uri="{FF2B5EF4-FFF2-40B4-BE49-F238E27FC236}">
-                <a16:creationId xmlns:a16="http://schemas.microsoft.com/office/drawing/2014/main" xmlns="" id="{9EACEF18-3773-C1E3-C895-16E79BA820EE}"/>
+                <a16:creationId xmlns:a16="http://schemas.microsoft.com/office/drawing/2014/main" id="{9EACEF18-3773-C1E3-C895-16E79BA820EE}"/>
               </a:ext>
             </a:extLst>
           </p:cNvPr>
@@ -4572,7 +4546,7 @@
           <p:cNvPr id="2" name="제목 1">
             <a:extLst>
               <a:ext uri="{FF2B5EF4-FFF2-40B4-BE49-F238E27FC236}">
-                <a16:creationId xmlns:a16="http://schemas.microsoft.com/office/drawing/2014/main" xmlns="" id="{635C47BF-19DD-7A68-913E-EF8F14DBA234}"/>
+                <a16:creationId xmlns:a16="http://schemas.microsoft.com/office/drawing/2014/main" id="{635C47BF-19DD-7A68-913E-EF8F14DBA234}"/>
               </a:ext>
             </a:extLst>
           </p:cNvPr>
@@ -4603,25 +4577,13 @@
               <a:rPr lang="en-US" altLang="ko-KR" sz="3200" dirty="0">
                 <a:latin typeface="+mj-ea"/>
               </a:rPr>
-              <a:t>&lt;</a:t>
-            </a:r>
-            <a:r>
-              <a:rPr lang="en-US" altLang="ko-KR" sz="3200" dirty="0" smtClean="0">
-                <a:latin typeface="+mj-ea"/>
-              </a:rPr>
-              <a:t>div&gt;</a:t>
-            </a:r>
-            <a:r>
-              <a:rPr lang="ko-KR" altLang="en-US" sz="3200" dirty="0" smtClean="0">
-                <a:latin typeface="+mj-ea"/>
-              </a:rPr>
-              <a:t>박스에 </a:t>
+              <a:t>&lt;div&gt;</a:t>
             </a:r>
             <a:r>
               <a:rPr lang="ko-KR" altLang="en-US" sz="3200" dirty="0">
                 <a:latin typeface="+mj-ea"/>
               </a:rPr>
-              <a:t>배경 꾸미기</a:t>
+              <a:t>박스에 배경 꾸미기</a:t>
             </a:r>
           </a:p>
         </p:txBody>
@@ -4631,7 +4593,7 @@
           <p:cNvPr id="7" name="화살표: 오른쪽 6">
             <a:extLst>
               <a:ext uri="{FF2B5EF4-FFF2-40B4-BE49-F238E27FC236}">
-                <a16:creationId xmlns:a16="http://schemas.microsoft.com/office/drawing/2014/main" xmlns="" id="{377F6EB9-04DD-E48B-35F4-1FDC8C656B50}"/>
+                <a16:creationId xmlns:a16="http://schemas.microsoft.com/office/drawing/2014/main" id="{377F6EB9-04DD-E48B-35F4-1FDC8C656B50}"/>
               </a:ext>
             </a:extLst>
           </p:cNvPr>
@@ -4677,7 +4639,7 @@
           <p:cNvPr id="8" name="TextBox 7">
             <a:extLst>
               <a:ext uri="{FF2B5EF4-FFF2-40B4-BE49-F238E27FC236}">
-                <a16:creationId xmlns:a16="http://schemas.microsoft.com/office/drawing/2014/main" xmlns="" id="{9EACEF18-3773-C1E3-C895-16E79BA820EE}"/>
+                <a16:creationId xmlns:a16="http://schemas.microsoft.com/office/drawing/2014/main" id="{9EACEF18-3773-C1E3-C895-16E79BA820EE}"/>
               </a:ext>
             </a:extLst>
           </p:cNvPr>
@@ -4839,7 +4801,7 @@
           <p:cNvPr id="2" name="제목 1">
             <a:extLst>
               <a:ext uri="{FF2B5EF4-FFF2-40B4-BE49-F238E27FC236}">
-                <a16:creationId xmlns:a16="http://schemas.microsoft.com/office/drawing/2014/main" xmlns="" id="{635C47BF-19DD-7A68-913E-EF8F14DBA234}"/>
+                <a16:creationId xmlns:a16="http://schemas.microsoft.com/office/drawing/2014/main" id="{635C47BF-19DD-7A68-913E-EF8F14DBA234}"/>
               </a:ext>
             </a:extLst>
           </p:cNvPr>
@@ -4880,7 +4842,7 @@
           <p:cNvPr id="7" name="화살표: 오른쪽 6">
             <a:extLst>
               <a:ext uri="{FF2B5EF4-FFF2-40B4-BE49-F238E27FC236}">
-                <a16:creationId xmlns:a16="http://schemas.microsoft.com/office/drawing/2014/main" xmlns="" id="{377F6EB9-04DD-E48B-35F4-1FDC8C656B50}"/>
+                <a16:creationId xmlns:a16="http://schemas.microsoft.com/office/drawing/2014/main" id="{377F6EB9-04DD-E48B-35F4-1FDC8C656B50}"/>
               </a:ext>
             </a:extLst>
           </p:cNvPr>
@@ -4926,7 +4888,7 @@
           <p:cNvPr id="8" name="TextBox 7">
             <a:extLst>
               <a:ext uri="{FF2B5EF4-FFF2-40B4-BE49-F238E27FC236}">
-                <a16:creationId xmlns:a16="http://schemas.microsoft.com/office/drawing/2014/main" xmlns="" id="{9EACEF18-3773-C1E3-C895-16E79BA820EE}"/>
+                <a16:creationId xmlns:a16="http://schemas.microsoft.com/office/drawing/2014/main" id="{9EACEF18-3773-C1E3-C895-16E79BA820EE}"/>
               </a:ext>
             </a:extLst>
           </p:cNvPr>
@@ -5040,7 +5002,7 @@
           <p:cNvPr id="2" name="제목 1">
             <a:extLst>
               <a:ext uri="{FF2B5EF4-FFF2-40B4-BE49-F238E27FC236}">
-                <a16:creationId xmlns:a16="http://schemas.microsoft.com/office/drawing/2014/main" xmlns="" id="{635C47BF-19DD-7A68-913E-EF8F14DBA234}"/>
+                <a16:creationId xmlns:a16="http://schemas.microsoft.com/office/drawing/2014/main" id="{635C47BF-19DD-7A68-913E-EF8F14DBA234}"/>
               </a:ext>
             </a:extLst>
           </p:cNvPr>
@@ -5168,7 +5130,7 @@
           <p:cNvPr id="3" name="화살표: 오른쪽 6">
             <a:extLst>
               <a:ext uri="{FF2B5EF4-FFF2-40B4-BE49-F238E27FC236}">
-                <a16:creationId xmlns:a16="http://schemas.microsoft.com/office/drawing/2014/main" xmlns="" id="{377F6EB9-04DD-E48B-35F4-1FDC8C656B50}"/>
+                <a16:creationId xmlns:a16="http://schemas.microsoft.com/office/drawing/2014/main" id="{377F6EB9-04DD-E48B-35F4-1FDC8C656B50}"/>
               </a:ext>
             </a:extLst>
           </p:cNvPr>
@@ -5214,7 +5176,7 @@
           <p:cNvPr id="4" name="TextBox 3">
             <a:extLst>
               <a:ext uri="{FF2B5EF4-FFF2-40B4-BE49-F238E27FC236}">
-                <a16:creationId xmlns:a16="http://schemas.microsoft.com/office/drawing/2014/main" xmlns="" id="{9EACEF18-3773-C1E3-C895-16E79BA820EE}"/>
+                <a16:creationId xmlns:a16="http://schemas.microsoft.com/office/drawing/2014/main" id="{9EACEF18-3773-C1E3-C895-16E79BA820EE}"/>
               </a:ext>
             </a:extLst>
           </p:cNvPr>
@@ -5304,7 +5266,7 @@
           <p:cNvPr id="2" name="제목 1">
             <a:extLst>
               <a:ext uri="{FF2B5EF4-FFF2-40B4-BE49-F238E27FC236}">
-                <a16:creationId xmlns:a16="http://schemas.microsoft.com/office/drawing/2014/main" xmlns="" id="{635C47BF-19DD-7A68-913E-EF8F14DBA234}"/>
+                <a16:creationId xmlns:a16="http://schemas.microsoft.com/office/drawing/2014/main" id="{635C47BF-19DD-7A68-913E-EF8F14DBA234}"/>
               </a:ext>
             </a:extLst>
           </p:cNvPr>
@@ -5357,7 +5319,7 @@
           <p:cNvPr id="8" name="TextBox 7">
             <a:extLst>
               <a:ext uri="{FF2B5EF4-FFF2-40B4-BE49-F238E27FC236}">
-                <a16:creationId xmlns:a16="http://schemas.microsoft.com/office/drawing/2014/main" xmlns="" id="{9EACEF18-3773-C1E3-C895-16E79BA820EE}"/>
+                <a16:creationId xmlns:a16="http://schemas.microsoft.com/office/drawing/2014/main" id="{9EACEF18-3773-C1E3-C895-16E79BA820EE}"/>
               </a:ext>
             </a:extLst>
           </p:cNvPr>
@@ -5441,7 +5403,7 @@
           <p:cNvPr id="7" name="화살표: 오른쪽 6">
             <a:extLst>
               <a:ext uri="{FF2B5EF4-FFF2-40B4-BE49-F238E27FC236}">
-                <a16:creationId xmlns:a16="http://schemas.microsoft.com/office/drawing/2014/main" xmlns="" id="{377F6EB9-04DD-E48B-35F4-1FDC8C656B50}"/>
+                <a16:creationId xmlns:a16="http://schemas.microsoft.com/office/drawing/2014/main" id="{377F6EB9-04DD-E48B-35F4-1FDC8C656B50}"/>
               </a:ext>
             </a:extLst>
           </p:cNvPr>
@@ -5565,7 +5527,7 @@
           <p:cNvPr id="2" name="제목 1">
             <a:extLst>
               <a:ext uri="{FF2B5EF4-FFF2-40B4-BE49-F238E27FC236}">
-                <a16:creationId xmlns:a16="http://schemas.microsoft.com/office/drawing/2014/main" xmlns="" id="{635C47BF-19DD-7A68-913E-EF8F14DBA234}"/>
+                <a16:creationId xmlns:a16="http://schemas.microsoft.com/office/drawing/2014/main" id="{635C47BF-19DD-7A68-913E-EF8F14DBA234}"/>
               </a:ext>
             </a:extLst>
           </p:cNvPr>
@@ -5612,7 +5574,7 @@
           <p:cNvPr id="7" name="화살표: 오른쪽 6">
             <a:extLst>
               <a:ext uri="{FF2B5EF4-FFF2-40B4-BE49-F238E27FC236}">
-                <a16:creationId xmlns:a16="http://schemas.microsoft.com/office/drawing/2014/main" xmlns="" id="{377F6EB9-04DD-E48B-35F4-1FDC8C656B50}"/>
+                <a16:creationId xmlns:a16="http://schemas.microsoft.com/office/drawing/2014/main" id="{377F6EB9-04DD-E48B-35F4-1FDC8C656B50}"/>
               </a:ext>
             </a:extLst>
           </p:cNvPr>
@@ -5658,7 +5620,7 @@
           <p:cNvPr id="8" name="TextBox 7">
             <a:extLst>
               <a:ext uri="{FF2B5EF4-FFF2-40B4-BE49-F238E27FC236}">
-                <a16:creationId xmlns:a16="http://schemas.microsoft.com/office/drawing/2014/main" xmlns="" id="{9EACEF18-3773-C1E3-C895-16E79BA820EE}"/>
+                <a16:creationId xmlns:a16="http://schemas.microsoft.com/office/drawing/2014/main" id="{9EACEF18-3773-C1E3-C895-16E79BA820EE}"/>
               </a:ext>
             </a:extLst>
           </p:cNvPr>
@@ -5772,7 +5734,7 @@
           <p:cNvPr id="2" name="제목 1">
             <a:extLst>
               <a:ext uri="{FF2B5EF4-FFF2-40B4-BE49-F238E27FC236}">
-                <a16:creationId xmlns:a16="http://schemas.microsoft.com/office/drawing/2014/main" xmlns="" id="{635C47BF-19DD-7A68-913E-EF8F14DBA234}"/>
+                <a16:creationId xmlns:a16="http://schemas.microsoft.com/office/drawing/2014/main" id="{635C47BF-19DD-7A68-913E-EF8F14DBA234}"/>
               </a:ext>
             </a:extLst>
           </p:cNvPr>
@@ -5825,7 +5787,7 @@
           <p:cNvPr id="7" name="화살표: 오른쪽 6">
             <a:extLst>
               <a:ext uri="{FF2B5EF4-FFF2-40B4-BE49-F238E27FC236}">
-                <a16:creationId xmlns:a16="http://schemas.microsoft.com/office/drawing/2014/main" xmlns="" id="{377F6EB9-04DD-E48B-35F4-1FDC8C656B50}"/>
+                <a16:creationId xmlns:a16="http://schemas.microsoft.com/office/drawing/2014/main" id="{377F6EB9-04DD-E48B-35F4-1FDC8C656B50}"/>
               </a:ext>
             </a:extLst>
           </p:cNvPr>
@@ -5871,7 +5833,7 @@
           <p:cNvPr id="8" name="TextBox 7">
             <a:extLst>
               <a:ext uri="{FF2B5EF4-FFF2-40B4-BE49-F238E27FC236}">
-                <a16:creationId xmlns:a16="http://schemas.microsoft.com/office/drawing/2014/main" xmlns="" id="{9EACEF18-3773-C1E3-C895-16E79BA820EE}"/>
+                <a16:creationId xmlns:a16="http://schemas.microsoft.com/office/drawing/2014/main" id="{9EACEF18-3773-C1E3-C895-16E79BA820EE}"/>
               </a:ext>
             </a:extLst>
           </p:cNvPr>
@@ -6009,7 +5971,7 @@
           <p:cNvPr id="2" name="제목 1">
             <a:extLst>
               <a:ext uri="{FF2B5EF4-FFF2-40B4-BE49-F238E27FC236}">
-                <a16:creationId xmlns:a16="http://schemas.microsoft.com/office/drawing/2014/main" xmlns="" id="{635C47BF-19DD-7A68-913E-EF8F14DBA234}"/>
+                <a16:creationId xmlns:a16="http://schemas.microsoft.com/office/drawing/2014/main" id="{635C47BF-19DD-7A68-913E-EF8F14DBA234}"/>
               </a:ext>
             </a:extLst>
           </p:cNvPr>
@@ -6062,7 +6024,7 @@
           <p:cNvPr id="7" name="화살표: 오른쪽 6">
             <a:extLst>
               <a:ext uri="{FF2B5EF4-FFF2-40B4-BE49-F238E27FC236}">
-                <a16:creationId xmlns:a16="http://schemas.microsoft.com/office/drawing/2014/main" xmlns="" id="{377F6EB9-04DD-E48B-35F4-1FDC8C656B50}"/>
+                <a16:creationId xmlns:a16="http://schemas.microsoft.com/office/drawing/2014/main" id="{377F6EB9-04DD-E48B-35F4-1FDC8C656B50}"/>
               </a:ext>
             </a:extLst>
           </p:cNvPr>
@@ -6108,7 +6070,7 @@
           <p:cNvPr id="8" name="TextBox 7">
             <a:extLst>
               <a:ext uri="{FF2B5EF4-FFF2-40B4-BE49-F238E27FC236}">
-                <a16:creationId xmlns:a16="http://schemas.microsoft.com/office/drawing/2014/main" xmlns="" id="{9EACEF18-3773-C1E3-C895-16E79BA820EE}"/>
+                <a16:creationId xmlns:a16="http://schemas.microsoft.com/office/drawing/2014/main" id="{9EACEF18-3773-C1E3-C895-16E79BA820EE}"/>
               </a:ext>
             </a:extLst>
           </p:cNvPr>
@@ -6246,7 +6208,7 @@
           <p:cNvPr id="2" name="제목 1">
             <a:extLst>
               <a:ext uri="{FF2B5EF4-FFF2-40B4-BE49-F238E27FC236}">
-                <a16:creationId xmlns:a16="http://schemas.microsoft.com/office/drawing/2014/main" xmlns="" id="{635C47BF-19DD-7A68-913E-EF8F14DBA234}"/>
+                <a16:creationId xmlns:a16="http://schemas.microsoft.com/office/drawing/2014/main" id="{635C47BF-19DD-7A68-913E-EF8F14DBA234}"/>
               </a:ext>
             </a:extLst>
           </p:cNvPr>
@@ -6371,7 +6333,7 @@
           <p:cNvPr id="3" name="화살표: 오른쪽 6">
             <a:extLst>
               <a:ext uri="{FF2B5EF4-FFF2-40B4-BE49-F238E27FC236}">
-                <a16:creationId xmlns:a16="http://schemas.microsoft.com/office/drawing/2014/main" xmlns="" id="{377F6EB9-04DD-E48B-35F4-1FDC8C656B50}"/>
+                <a16:creationId xmlns:a16="http://schemas.microsoft.com/office/drawing/2014/main" id="{377F6EB9-04DD-E48B-35F4-1FDC8C656B50}"/>
               </a:ext>
             </a:extLst>
           </p:cNvPr>
@@ -6417,7 +6379,7 @@
           <p:cNvPr id="4" name="TextBox 3">
             <a:extLst>
               <a:ext uri="{FF2B5EF4-FFF2-40B4-BE49-F238E27FC236}">
-                <a16:creationId xmlns:a16="http://schemas.microsoft.com/office/drawing/2014/main" xmlns="" id="{9EACEF18-3773-C1E3-C895-16E79BA820EE}"/>
+                <a16:creationId xmlns:a16="http://schemas.microsoft.com/office/drawing/2014/main" id="{9EACEF18-3773-C1E3-C895-16E79BA820EE}"/>
               </a:ext>
             </a:extLst>
           </p:cNvPr>
@@ -6507,7 +6469,7 @@
           <p:cNvPr id="2" name="제목 1">
             <a:extLst>
               <a:ext uri="{FF2B5EF4-FFF2-40B4-BE49-F238E27FC236}">
-                <a16:creationId xmlns:a16="http://schemas.microsoft.com/office/drawing/2014/main" xmlns="" id="{635C47BF-19DD-7A68-913E-EF8F14DBA234}"/>
+                <a16:creationId xmlns:a16="http://schemas.microsoft.com/office/drawing/2014/main" id="{635C47BF-19DD-7A68-913E-EF8F14DBA234}"/>
               </a:ext>
             </a:extLst>
           </p:cNvPr>
@@ -6557,7 +6519,7 @@
           <p:cNvPr id="7" name="화살표: 오른쪽 6">
             <a:extLst>
               <a:ext uri="{FF2B5EF4-FFF2-40B4-BE49-F238E27FC236}">
-                <a16:creationId xmlns:a16="http://schemas.microsoft.com/office/drawing/2014/main" xmlns="" id="{377F6EB9-04DD-E48B-35F4-1FDC8C656B50}"/>
+                <a16:creationId xmlns:a16="http://schemas.microsoft.com/office/drawing/2014/main" id="{377F6EB9-04DD-E48B-35F4-1FDC8C656B50}"/>
               </a:ext>
             </a:extLst>
           </p:cNvPr>
@@ -6603,7 +6565,7 @@
           <p:cNvPr id="8" name="TextBox 7">
             <a:extLst>
               <a:ext uri="{FF2B5EF4-FFF2-40B4-BE49-F238E27FC236}">
-                <a16:creationId xmlns:a16="http://schemas.microsoft.com/office/drawing/2014/main" xmlns="" id="{9EACEF18-3773-C1E3-C895-16E79BA820EE}"/>
+                <a16:creationId xmlns:a16="http://schemas.microsoft.com/office/drawing/2014/main" id="{9EACEF18-3773-C1E3-C895-16E79BA820EE}"/>
               </a:ext>
             </a:extLst>
           </p:cNvPr>
@@ -6741,7 +6703,7 @@
           <p:cNvPr id="2" name="제목 1">
             <a:extLst>
               <a:ext uri="{FF2B5EF4-FFF2-40B4-BE49-F238E27FC236}">
-                <a16:creationId xmlns:a16="http://schemas.microsoft.com/office/drawing/2014/main" xmlns="" id="{635C47BF-19DD-7A68-913E-EF8F14DBA234}"/>
+                <a16:creationId xmlns:a16="http://schemas.microsoft.com/office/drawing/2014/main" id="{635C47BF-19DD-7A68-913E-EF8F14DBA234}"/>
               </a:ext>
             </a:extLst>
           </p:cNvPr>
@@ -6791,7 +6753,7 @@
           <p:cNvPr id="7" name="화살표: 오른쪽 6">
             <a:extLst>
               <a:ext uri="{FF2B5EF4-FFF2-40B4-BE49-F238E27FC236}">
-                <a16:creationId xmlns:a16="http://schemas.microsoft.com/office/drawing/2014/main" xmlns="" id="{377F6EB9-04DD-E48B-35F4-1FDC8C656B50}"/>
+                <a16:creationId xmlns:a16="http://schemas.microsoft.com/office/drawing/2014/main" id="{377F6EB9-04DD-E48B-35F4-1FDC8C656B50}"/>
               </a:ext>
             </a:extLst>
           </p:cNvPr>
@@ -6837,7 +6799,7 @@
           <p:cNvPr id="8" name="TextBox 7">
             <a:extLst>
               <a:ext uri="{FF2B5EF4-FFF2-40B4-BE49-F238E27FC236}">
-                <a16:creationId xmlns:a16="http://schemas.microsoft.com/office/drawing/2014/main" xmlns="" id="{9EACEF18-3773-C1E3-C895-16E79BA820EE}"/>
+                <a16:creationId xmlns:a16="http://schemas.microsoft.com/office/drawing/2014/main" id="{9EACEF18-3773-C1E3-C895-16E79BA820EE}"/>
               </a:ext>
             </a:extLst>
           </p:cNvPr>
@@ -6975,7 +6937,7 @@
           <p:cNvPr id="2" name="제목 1">
             <a:extLst>
               <a:ext uri="{FF2B5EF4-FFF2-40B4-BE49-F238E27FC236}">
-                <a16:creationId xmlns:a16="http://schemas.microsoft.com/office/drawing/2014/main" xmlns="" id="{635C47BF-19DD-7A68-913E-EF8F14DBA234}"/>
+                <a16:creationId xmlns:a16="http://schemas.microsoft.com/office/drawing/2014/main" id="{635C47BF-19DD-7A68-913E-EF8F14DBA234}"/>
               </a:ext>
             </a:extLst>
           </p:cNvPr>
@@ -7025,7 +6987,7 @@
           <p:cNvPr id="7" name="화살표: 오른쪽 6">
             <a:extLst>
               <a:ext uri="{FF2B5EF4-FFF2-40B4-BE49-F238E27FC236}">
-                <a16:creationId xmlns:a16="http://schemas.microsoft.com/office/drawing/2014/main" xmlns="" id="{377F6EB9-04DD-E48B-35F4-1FDC8C656B50}"/>
+                <a16:creationId xmlns:a16="http://schemas.microsoft.com/office/drawing/2014/main" id="{377F6EB9-04DD-E48B-35F4-1FDC8C656B50}"/>
               </a:ext>
             </a:extLst>
           </p:cNvPr>
@@ -7071,7 +7033,7 @@
           <p:cNvPr id="8" name="TextBox 7">
             <a:extLst>
               <a:ext uri="{FF2B5EF4-FFF2-40B4-BE49-F238E27FC236}">
-                <a16:creationId xmlns:a16="http://schemas.microsoft.com/office/drawing/2014/main" xmlns="" id="{9EACEF18-3773-C1E3-C895-16E79BA820EE}"/>
+                <a16:creationId xmlns:a16="http://schemas.microsoft.com/office/drawing/2014/main" id="{9EACEF18-3773-C1E3-C895-16E79BA820EE}"/>
               </a:ext>
             </a:extLst>
           </p:cNvPr>
@@ -7209,7 +7171,7 @@
           <p:cNvPr id="2" name="제목 1">
             <a:extLst>
               <a:ext uri="{FF2B5EF4-FFF2-40B4-BE49-F238E27FC236}">
-                <a16:creationId xmlns:a16="http://schemas.microsoft.com/office/drawing/2014/main" xmlns="" id="{635C47BF-19DD-7A68-913E-EF8F14DBA234}"/>
+                <a16:creationId xmlns:a16="http://schemas.microsoft.com/office/drawing/2014/main" id="{635C47BF-19DD-7A68-913E-EF8F14DBA234}"/>
               </a:ext>
             </a:extLst>
           </p:cNvPr>
@@ -7250,7 +7212,7 @@
           <p:cNvPr id="7" name="화살표: 오른쪽 6">
             <a:extLst>
               <a:ext uri="{FF2B5EF4-FFF2-40B4-BE49-F238E27FC236}">
-                <a16:creationId xmlns:a16="http://schemas.microsoft.com/office/drawing/2014/main" xmlns="" id="{377F6EB9-04DD-E48B-35F4-1FDC8C656B50}"/>
+                <a16:creationId xmlns:a16="http://schemas.microsoft.com/office/drawing/2014/main" id="{377F6EB9-04DD-E48B-35F4-1FDC8C656B50}"/>
               </a:ext>
             </a:extLst>
           </p:cNvPr>
@@ -7296,7 +7258,7 @@
           <p:cNvPr id="8" name="TextBox 7">
             <a:extLst>
               <a:ext uri="{FF2B5EF4-FFF2-40B4-BE49-F238E27FC236}">
-                <a16:creationId xmlns:a16="http://schemas.microsoft.com/office/drawing/2014/main" xmlns="" id="{9EACEF18-3773-C1E3-C895-16E79BA820EE}"/>
+                <a16:creationId xmlns:a16="http://schemas.microsoft.com/office/drawing/2014/main" id="{9EACEF18-3773-C1E3-C895-16E79BA820EE}"/>
               </a:ext>
             </a:extLst>
           </p:cNvPr>
@@ -7434,7 +7396,7 @@
           <p:cNvPr id="2" name="제목 1">
             <a:extLst>
               <a:ext uri="{FF2B5EF4-FFF2-40B4-BE49-F238E27FC236}">
-                <a16:creationId xmlns:a16="http://schemas.microsoft.com/office/drawing/2014/main" xmlns="" id="{635C47BF-19DD-7A68-913E-EF8F14DBA234}"/>
+                <a16:creationId xmlns:a16="http://schemas.microsoft.com/office/drawing/2014/main" id="{635C47BF-19DD-7A68-913E-EF8F14DBA234}"/>
               </a:ext>
             </a:extLst>
           </p:cNvPr>
@@ -7484,7 +7446,7 @@
           <p:cNvPr id="7" name="화살표: 오른쪽 6">
             <a:extLst>
               <a:ext uri="{FF2B5EF4-FFF2-40B4-BE49-F238E27FC236}">
-                <a16:creationId xmlns:a16="http://schemas.microsoft.com/office/drawing/2014/main" xmlns="" id="{377F6EB9-04DD-E48B-35F4-1FDC8C656B50}"/>
+                <a16:creationId xmlns:a16="http://schemas.microsoft.com/office/drawing/2014/main" id="{377F6EB9-04DD-E48B-35F4-1FDC8C656B50}"/>
               </a:ext>
             </a:extLst>
           </p:cNvPr>
@@ -7530,7 +7492,7 @@
           <p:cNvPr id="8" name="TextBox 7">
             <a:extLst>
               <a:ext uri="{FF2B5EF4-FFF2-40B4-BE49-F238E27FC236}">
-                <a16:creationId xmlns:a16="http://schemas.microsoft.com/office/drawing/2014/main" xmlns="" id="{9EACEF18-3773-C1E3-C895-16E79BA820EE}"/>
+                <a16:creationId xmlns:a16="http://schemas.microsoft.com/office/drawing/2014/main" id="{9EACEF18-3773-C1E3-C895-16E79BA820EE}"/>
               </a:ext>
             </a:extLst>
           </p:cNvPr>
@@ -7692,7 +7654,7 @@
           <p:cNvPr id="2" name="제목 1">
             <a:extLst>
               <a:ext uri="{FF2B5EF4-FFF2-40B4-BE49-F238E27FC236}">
-                <a16:creationId xmlns:a16="http://schemas.microsoft.com/office/drawing/2014/main" xmlns="" id="{635C47BF-19DD-7A68-913E-EF8F14DBA234}"/>
+                <a16:creationId xmlns:a16="http://schemas.microsoft.com/office/drawing/2014/main" id="{635C47BF-19DD-7A68-913E-EF8F14DBA234}"/>
               </a:ext>
             </a:extLst>
           </p:cNvPr>
@@ -7733,7 +7695,7 @@
           <p:cNvPr id="8" name="TextBox 7">
             <a:extLst>
               <a:ext uri="{FF2B5EF4-FFF2-40B4-BE49-F238E27FC236}">
-                <a16:creationId xmlns:a16="http://schemas.microsoft.com/office/drawing/2014/main" xmlns="" id="{9EACEF18-3773-C1E3-C895-16E79BA820EE}"/>
+                <a16:creationId xmlns:a16="http://schemas.microsoft.com/office/drawing/2014/main" id="{9EACEF18-3773-C1E3-C895-16E79BA820EE}"/>
               </a:ext>
             </a:extLst>
           </p:cNvPr>
@@ -7793,7 +7755,7 @@
           <p:cNvPr id="7" name="화살표: 오른쪽 6">
             <a:extLst>
               <a:ext uri="{FF2B5EF4-FFF2-40B4-BE49-F238E27FC236}">
-                <a16:creationId xmlns:a16="http://schemas.microsoft.com/office/drawing/2014/main" xmlns="" id="{377F6EB9-04DD-E48B-35F4-1FDC8C656B50}"/>
+                <a16:creationId xmlns:a16="http://schemas.microsoft.com/office/drawing/2014/main" id="{377F6EB9-04DD-E48B-35F4-1FDC8C656B50}"/>
               </a:ext>
             </a:extLst>
           </p:cNvPr>
@@ -7917,7 +7879,7 @@
           <p:cNvPr id="2" name="제목 1">
             <a:extLst>
               <a:ext uri="{FF2B5EF4-FFF2-40B4-BE49-F238E27FC236}">
-                <a16:creationId xmlns:a16="http://schemas.microsoft.com/office/drawing/2014/main" xmlns="" id="{635C47BF-19DD-7A68-913E-EF8F14DBA234}"/>
+                <a16:creationId xmlns:a16="http://schemas.microsoft.com/office/drawing/2014/main" id="{635C47BF-19DD-7A68-913E-EF8F14DBA234}"/>
               </a:ext>
             </a:extLst>
           </p:cNvPr>
@@ -7945,7 +7907,7 @@
               <a:buChar char="•"/>
             </a:pPr>
             <a:r>
-              <a:rPr lang="en-US" altLang="ko-KR" sz="3200" dirty="0" smtClean="0">
+              <a:rPr lang="en-US" altLang="ko-KR" sz="3200" dirty="0">
                 <a:latin typeface="+mj-ea"/>
               </a:rPr>
               <a:t>&lt;style&gt; </a:t>
@@ -7988,7 +7950,7 @@
           <p:cNvPr id="7" name="화살표: 오른쪽 6">
             <a:extLst>
               <a:ext uri="{FF2B5EF4-FFF2-40B4-BE49-F238E27FC236}">
-                <a16:creationId xmlns:a16="http://schemas.microsoft.com/office/drawing/2014/main" xmlns="" id="{377F6EB9-04DD-E48B-35F4-1FDC8C656B50}"/>
+                <a16:creationId xmlns:a16="http://schemas.microsoft.com/office/drawing/2014/main" id="{377F6EB9-04DD-E48B-35F4-1FDC8C656B50}"/>
               </a:ext>
             </a:extLst>
           </p:cNvPr>
@@ -8034,7 +7996,7 @@
           <p:cNvPr id="8" name="TextBox 7">
             <a:extLst>
               <a:ext uri="{FF2B5EF4-FFF2-40B4-BE49-F238E27FC236}">
-                <a16:creationId xmlns:a16="http://schemas.microsoft.com/office/drawing/2014/main" xmlns="" id="{9EACEF18-3773-C1E3-C895-16E79BA820EE}"/>
+                <a16:creationId xmlns:a16="http://schemas.microsoft.com/office/drawing/2014/main" id="{9EACEF18-3773-C1E3-C895-16E79BA820EE}"/>
               </a:ext>
             </a:extLst>
           </p:cNvPr>
@@ -8119,10 +8081,65 @@
           <a:chExt cx="0" cy="0"/>
         </a:xfrm>
       </p:grpSpPr>
+      <p:sp>
+        <p:nvSpPr>
+          <p:cNvPr id="2" name="TextBox 1"/>
+          <p:cNvSpPr txBox="1"/>
+          <p:nvPr/>
+        </p:nvSpPr>
+        <p:spPr>
+          <a:xfrm>
+            <a:off x="2084438" y="2664543"/>
+            <a:ext cx="8062452" cy="830997"/>
+          </a:xfrm>
+          <a:prstGeom prst="rect">
+            <a:avLst/>
+          </a:prstGeom>
+          <a:noFill/>
+        </p:spPr>
+        <p:txBody>
+          <a:bodyPr wrap="square" rtlCol="0">
+            <a:spAutoFit/>
+          </a:bodyPr>
+          <a:lstStyle/>
+          <a:p>
+            <a:pPr algn="ctr"/>
+            <a:r>
+              <a:rPr lang="en-US" altLang="ko-KR" sz="4800" b="1" dirty="0">
+                <a:solidFill>
+                  <a:schemeClr val="accent1"/>
+                </a:solidFill>
+              </a:rPr>
+              <a:t>&lt; </a:t>
+            </a:r>
+            <a:r>
+              <a:rPr lang="ko-KR" altLang="en-US" sz="4800" b="1" dirty="0">
+                <a:solidFill>
+                  <a:schemeClr val="accent1"/>
+                </a:solidFill>
+              </a:rPr>
+              <a:t>노트필기 정리하기 </a:t>
+            </a:r>
+            <a:r>
+              <a:rPr lang="en-US" altLang="ko-KR" sz="4800" b="1" dirty="0">
+                <a:solidFill>
+                  <a:schemeClr val="accent1"/>
+                </a:solidFill>
+              </a:rPr>
+              <a:t>&gt;</a:t>
+            </a:r>
+            <a:endParaRPr lang="ko-KR" altLang="en-US" sz="4800" b="1" dirty="0">
+              <a:solidFill>
+                <a:schemeClr val="accent1"/>
+              </a:solidFill>
+            </a:endParaRPr>
+          </a:p>
+        </p:txBody>
+      </p:sp>
     </p:spTree>
     <p:extLst>
       <p:ext uri="{BB962C8B-B14F-4D97-AF65-F5344CB8AC3E}">
-        <p14:creationId xmlns:p14="http://schemas.microsoft.com/office/powerpoint/2010/main" val="3224539788"/>
+        <p14:creationId xmlns:p14="http://schemas.microsoft.com/office/powerpoint/2010/main" val="3486118892"/>
       </p:ext>
     </p:extLst>
   </p:cSld>
@@ -8149,65 +8166,10 @@
           <a:chExt cx="0" cy="0"/>
         </a:xfrm>
       </p:grpSpPr>
-      <p:sp>
-        <p:nvSpPr>
-          <p:cNvPr id="2" name="TextBox 1"/>
-          <p:cNvSpPr txBox="1"/>
-          <p:nvPr/>
-        </p:nvSpPr>
-        <p:spPr>
-          <a:xfrm>
-            <a:off x="2084438" y="2664543"/>
-            <a:ext cx="8062452" cy="830997"/>
-          </a:xfrm>
-          <a:prstGeom prst="rect">
-            <a:avLst/>
-          </a:prstGeom>
-          <a:noFill/>
-        </p:spPr>
-        <p:txBody>
-          <a:bodyPr wrap="square" rtlCol="0">
-            <a:spAutoFit/>
-          </a:bodyPr>
-          <a:lstStyle/>
-          <a:p>
-            <a:pPr algn="ctr"/>
-            <a:r>
-              <a:rPr lang="en-US" altLang="ko-KR" sz="4800" b="1" dirty="0" smtClean="0">
-                <a:solidFill>
-                  <a:schemeClr val="accent1"/>
-                </a:solidFill>
-              </a:rPr>
-              <a:t>&lt; </a:t>
-            </a:r>
-            <a:r>
-              <a:rPr lang="ko-KR" altLang="en-US" sz="4800" b="1" dirty="0" smtClean="0">
-                <a:solidFill>
-                  <a:schemeClr val="accent1"/>
-                </a:solidFill>
-              </a:rPr>
-              <a:t>노트필기 정리하기 </a:t>
-            </a:r>
-            <a:r>
-              <a:rPr lang="en-US" altLang="ko-KR" sz="4800" b="1" dirty="0" smtClean="0">
-                <a:solidFill>
-                  <a:schemeClr val="accent1"/>
-                </a:solidFill>
-              </a:rPr>
-              <a:t>&gt;</a:t>
-            </a:r>
-            <a:endParaRPr lang="ko-KR" altLang="en-US" sz="4800" b="1" dirty="0">
-              <a:solidFill>
-                <a:schemeClr val="accent1"/>
-              </a:solidFill>
-            </a:endParaRPr>
-          </a:p>
-        </p:txBody>
-      </p:sp>
     </p:spTree>
     <p:extLst>
       <p:ext uri="{BB962C8B-B14F-4D97-AF65-F5344CB8AC3E}">
-        <p14:creationId xmlns:p14="http://schemas.microsoft.com/office/powerpoint/2010/main" val="3486118892"/>
+        <p14:creationId xmlns:p14="http://schemas.microsoft.com/office/powerpoint/2010/main" val="3224539788"/>
       </p:ext>
     </p:extLst>
   </p:cSld>
@@ -8239,7 +8201,7 @@
           <p:cNvPr id="2" name="제목 1">
             <a:extLst>
               <a:ext uri="{FF2B5EF4-FFF2-40B4-BE49-F238E27FC236}">
-                <a16:creationId xmlns:a16="http://schemas.microsoft.com/office/drawing/2014/main" xmlns="" id="{635C47BF-19DD-7A68-913E-EF8F14DBA234}"/>
+                <a16:creationId xmlns:a16="http://schemas.microsoft.com/office/drawing/2014/main" id="{635C47BF-19DD-7A68-913E-EF8F14DBA234}"/>
               </a:ext>
             </a:extLst>
           </p:cNvPr>
@@ -8267,7 +8229,7 @@
               <a:buChar char="•"/>
             </a:pPr>
             <a:r>
-              <a:rPr lang="en-US" altLang="ko-KR" sz="3200" dirty="0" smtClean="0">
+              <a:rPr lang="en-US" altLang="ko-KR" sz="3200" dirty="0">
                 <a:latin typeface="+mj-ea"/>
               </a:rPr>
               <a:t>&lt;style&gt; </a:t>
@@ -8286,7 +8248,7 @@
           <p:cNvPr id="7" name="화살표: 오른쪽 6">
             <a:extLst>
               <a:ext uri="{FF2B5EF4-FFF2-40B4-BE49-F238E27FC236}">
-                <a16:creationId xmlns:a16="http://schemas.microsoft.com/office/drawing/2014/main" xmlns="" id="{377F6EB9-04DD-E48B-35F4-1FDC8C656B50}"/>
+                <a16:creationId xmlns:a16="http://schemas.microsoft.com/office/drawing/2014/main" id="{377F6EB9-04DD-E48B-35F4-1FDC8C656B50}"/>
               </a:ext>
             </a:extLst>
           </p:cNvPr>
@@ -8332,7 +8294,7 @@
           <p:cNvPr id="8" name="TextBox 7">
             <a:extLst>
               <a:ext uri="{FF2B5EF4-FFF2-40B4-BE49-F238E27FC236}">
-                <a16:creationId xmlns:a16="http://schemas.microsoft.com/office/drawing/2014/main" xmlns="" id="{9EACEF18-3773-C1E3-C895-16E79BA820EE}"/>
+                <a16:creationId xmlns:a16="http://schemas.microsoft.com/office/drawing/2014/main" id="{9EACEF18-3773-C1E3-C895-16E79BA820EE}"/>
               </a:ext>
             </a:extLst>
           </p:cNvPr>
@@ -8470,7 +8432,7 @@
           <p:cNvPr id="2" name="제목 1">
             <a:extLst>
               <a:ext uri="{FF2B5EF4-FFF2-40B4-BE49-F238E27FC236}">
-                <a16:creationId xmlns:a16="http://schemas.microsoft.com/office/drawing/2014/main" xmlns="" id="{635C47BF-19DD-7A68-913E-EF8F14DBA234}"/>
+                <a16:creationId xmlns:a16="http://schemas.microsoft.com/office/drawing/2014/main" id="{635C47BF-19DD-7A68-913E-EF8F14DBA234}"/>
               </a:ext>
             </a:extLst>
           </p:cNvPr>
@@ -8501,13 +8463,7 @@
               <a:rPr lang="en-US" altLang="ko-KR" sz="3200" dirty="0">
                 <a:latin typeface="+mj-ea"/>
               </a:rPr>
-              <a:t>&lt;</a:t>
-            </a:r>
-            <a:r>
-              <a:rPr lang="en-US" altLang="ko-KR" sz="3200" dirty="0" smtClean="0">
-                <a:latin typeface="+mj-ea"/>
-              </a:rPr>
-              <a:t>link&gt; </a:t>
+              <a:t>&lt;link&gt; </a:t>
             </a:r>
             <a:r>
               <a:rPr lang="ko-KR" altLang="en-US" sz="3200" dirty="0">
@@ -8535,7 +8491,7 @@
           <p:cNvPr id="7" name="화살표: 오른쪽 6">
             <a:extLst>
               <a:ext uri="{FF2B5EF4-FFF2-40B4-BE49-F238E27FC236}">
-                <a16:creationId xmlns:a16="http://schemas.microsoft.com/office/drawing/2014/main" xmlns="" id="{377F6EB9-04DD-E48B-35F4-1FDC8C656B50}"/>
+                <a16:creationId xmlns:a16="http://schemas.microsoft.com/office/drawing/2014/main" id="{377F6EB9-04DD-E48B-35F4-1FDC8C656B50}"/>
               </a:ext>
             </a:extLst>
           </p:cNvPr>
@@ -8581,7 +8537,7 @@
           <p:cNvPr id="8" name="TextBox 7">
             <a:extLst>
               <a:ext uri="{FF2B5EF4-FFF2-40B4-BE49-F238E27FC236}">
-                <a16:creationId xmlns:a16="http://schemas.microsoft.com/office/drawing/2014/main" xmlns="" id="{9EACEF18-3773-C1E3-C895-16E79BA820EE}"/>
+                <a16:creationId xmlns:a16="http://schemas.microsoft.com/office/drawing/2014/main" id="{9EACEF18-3773-C1E3-C895-16E79BA820EE}"/>
               </a:ext>
             </a:extLst>
           </p:cNvPr>
@@ -8743,7 +8699,7 @@
           <p:cNvPr id="2" name="제목 1">
             <a:extLst>
               <a:ext uri="{FF2B5EF4-FFF2-40B4-BE49-F238E27FC236}">
-                <a16:creationId xmlns:a16="http://schemas.microsoft.com/office/drawing/2014/main" xmlns="" id="{635C47BF-19DD-7A68-913E-EF8F14DBA234}"/>
+                <a16:creationId xmlns:a16="http://schemas.microsoft.com/office/drawing/2014/main" id="{635C47BF-19DD-7A68-913E-EF8F14DBA234}"/>
               </a:ext>
             </a:extLst>
           </p:cNvPr>
@@ -8771,22 +8727,16 @@
               <a:buChar char="•"/>
             </a:pPr>
             <a:r>
-              <a:rPr lang="en-US" altLang="ko-KR" sz="3200" dirty="0" smtClean="0">
+              <a:rPr lang="en-US" altLang="ko-KR" sz="3200" dirty="0">
                 <a:latin typeface="+mj-ea"/>
               </a:rPr>
               <a:t>&lt;@import&gt;</a:t>
-            </a:r>
-            <a:r>
-              <a:rPr lang="ko-KR" altLang="en-US" sz="3200" dirty="0" smtClean="0">
-                <a:latin typeface="+mj-ea"/>
-              </a:rPr>
-              <a:t>로 </a:t>
             </a:r>
             <a:r>
               <a:rPr lang="ko-KR" altLang="en-US" sz="3200" dirty="0">
                 <a:latin typeface="+mj-ea"/>
               </a:rPr>
-              <a:t>외부 스타일 불러오기</a:t>
+              <a:t>로 외부 스타일 불러오기</a:t>
             </a:r>
           </a:p>
         </p:txBody>
@@ -8796,7 +8746,7 @@
           <p:cNvPr id="7" name="화살표: 오른쪽 6">
             <a:extLst>
               <a:ext uri="{FF2B5EF4-FFF2-40B4-BE49-F238E27FC236}">
-                <a16:creationId xmlns:a16="http://schemas.microsoft.com/office/drawing/2014/main" xmlns="" id="{377F6EB9-04DD-E48B-35F4-1FDC8C656B50}"/>
+                <a16:creationId xmlns:a16="http://schemas.microsoft.com/office/drawing/2014/main" id="{377F6EB9-04DD-E48B-35F4-1FDC8C656B50}"/>
               </a:ext>
             </a:extLst>
           </p:cNvPr>
@@ -8842,7 +8792,7 @@
           <p:cNvPr id="8" name="TextBox 7">
             <a:extLst>
               <a:ext uri="{FF2B5EF4-FFF2-40B4-BE49-F238E27FC236}">
-                <a16:creationId xmlns:a16="http://schemas.microsoft.com/office/drawing/2014/main" xmlns="" id="{9EACEF18-3773-C1E3-C895-16E79BA820EE}"/>
+                <a16:creationId xmlns:a16="http://schemas.microsoft.com/office/drawing/2014/main" id="{9EACEF18-3773-C1E3-C895-16E79BA820EE}"/>
               </a:ext>
             </a:extLst>
           </p:cNvPr>
@@ -8980,7 +8930,7 @@
           <p:cNvPr id="2" name="제목 1">
             <a:extLst>
               <a:ext uri="{FF2B5EF4-FFF2-40B4-BE49-F238E27FC236}">
-                <a16:creationId xmlns:a16="http://schemas.microsoft.com/office/drawing/2014/main" xmlns="" id="{635C47BF-19DD-7A68-913E-EF8F14DBA234}"/>
+                <a16:creationId xmlns:a16="http://schemas.microsoft.com/office/drawing/2014/main" id="{635C47BF-19DD-7A68-913E-EF8F14DBA234}"/>
               </a:ext>
             </a:extLst>
           </p:cNvPr>
@@ -9014,13 +8964,13 @@
               <a:t>&lt;</a:t>
             </a:r>
             <a:r>
-              <a:rPr lang="en-US" altLang="ko-KR" sz="3200" dirty="0" err="1" smtClean="0">
+              <a:rPr lang="en-US" altLang="ko-KR" sz="3200" dirty="0" err="1">
                 <a:latin typeface="+mj-ea"/>
               </a:rPr>
               <a:t>em</a:t>
             </a:r>
             <a:r>
-              <a:rPr lang="en-US" altLang="ko-KR" sz="3200" dirty="0" smtClean="0">
+              <a:rPr lang="en-US" altLang="ko-KR" sz="3200" dirty="0">
                 <a:latin typeface="+mj-ea"/>
               </a:rPr>
               <a:t>&gt; </a:t>
@@ -9035,13 +8985,7 @@
               <a:rPr lang="en-US" altLang="ko-KR" sz="3200" dirty="0">
                 <a:latin typeface="+mj-ea"/>
               </a:rPr>
-              <a:t>&lt;</a:t>
-            </a:r>
-            <a:r>
-              <a:rPr lang="en-US" altLang="ko-KR" sz="3200" dirty="0" smtClean="0">
-                <a:latin typeface="+mj-ea"/>
-              </a:rPr>
-              <a:t>p&gt; </a:t>
+              <a:t>&lt;p&gt; </a:t>
             </a:r>
             <a:r>
               <a:rPr lang="ko-KR" altLang="en-US" sz="3200" dirty="0">
@@ -9057,7 +9001,7 @@
           <p:cNvPr id="7" name="화살표: 오른쪽 6">
             <a:extLst>
               <a:ext uri="{FF2B5EF4-FFF2-40B4-BE49-F238E27FC236}">
-                <a16:creationId xmlns:a16="http://schemas.microsoft.com/office/drawing/2014/main" xmlns="" id="{377F6EB9-04DD-E48B-35F4-1FDC8C656B50}"/>
+                <a16:creationId xmlns:a16="http://schemas.microsoft.com/office/drawing/2014/main" id="{377F6EB9-04DD-E48B-35F4-1FDC8C656B50}"/>
               </a:ext>
             </a:extLst>
           </p:cNvPr>
@@ -9103,7 +9047,7 @@
           <p:cNvPr id="8" name="TextBox 7">
             <a:extLst>
               <a:ext uri="{FF2B5EF4-FFF2-40B4-BE49-F238E27FC236}">
-                <a16:creationId xmlns:a16="http://schemas.microsoft.com/office/drawing/2014/main" xmlns="" id="{9EACEF18-3773-C1E3-C895-16E79BA820EE}"/>
+                <a16:creationId xmlns:a16="http://schemas.microsoft.com/office/drawing/2014/main" id="{9EACEF18-3773-C1E3-C895-16E79BA820EE}"/>
               </a:ext>
             </a:extLst>
           </p:cNvPr>
@@ -9217,7 +9161,7 @@
           <p:cNvPr id="2" name="제목 1">
             <a:extLst>
               <a:ext uri="{FF2B5EF4-FFF2-40B4-BE49-F238E27FC236}">
-                <a16:creationId xmlns:a16="http://schemas.microsoft.com/office/drawing/2014/main" xmlns="" id="{635C47BF-19DD-7A68-913E-EF8F14DBA234}"/>
+                <a16:creationId xmlns:a16="http://schemas.microsoft.com/office/drawing/2014/main" id="{635C47BF-19DD-7A68-913E-EF8F14DBA234}"/>
               </a:ext>
             </a:extLst>
           </p:cNvPr>
@@ -9267,7 +9211,7 @@
           <p:cNvPr id="7" name="화살표: 오른쪽 6">
             <a:extLst>
               <a:ext uri="{FF2B5EF4-FFF2-40B4-BE49-F238E27FC236}">
-                <a16:creationId xmlns:a16="http://schemas.microsoft.com/office/drawing/2014/main" xmlns="" id="{377F6EB9-04DD-E48B-35F4-1FDC8C656B50}"/>
+                <a16:creationId xmlns:a16="http://schemas.microsoft.com/office/drawing/2014/main" id="{377F6EB9-04DD-E48B-35F4-1FDC8C656B50}"/>
               </a:ext>
             </a:extLst>
           </p:cNvPr>
@@ -9313,7 +9257,7 @@
           <p:cNvPr id="8" name="TextBox 7">
             <a:extLst>
               <a:ext uri="{FF2B5EF4-FFF2-40B4-BE49-F238E27FC236}">
-                <a16:creationId xmlns:a16="http://schemas.microsoft.com/office/drawing/2014/main" xmlns="" id="{9EACEF18-3773-C1E3-C895-16E79BA820EE}"/>
+                <a16:creationId xmlns:a16="http://schemas.microsoft.com/office/drawing/2014/main" id="{9EACEF18-3773-C1E3-C895-16E79BA820EE}"/>
               </a:ext>
             </a:extLst>
           </p:cNvPr>
@@ -9451,7 +9395,7 @@
           <p:cNvPr id="2" name="제목 1">
             <a:extLst>
               <a:ext uri="{FF2B5EF4-FFF2-40B4-BE49-F238E27FC236}">
-                <a16:creationId xmlns:a16="http://schemas.microsoft.com/office/drawing/2014/main" xmlns="" id="{635C47BF-19DD-7A68-913E-EF8F14DBA234}"/>
+                <a16:creationId xmlns:a16="http://schemas.microsoft.com/office/drawing/2014/main" id="{635C47BF-19DD-7A68-913E-EF8F14DBA234}"/>
               </a:ext>
             </a:extLst>
           </p:cNvPr>
@@ -9498,7 +9442,7 @@
           <p:cNvPr id="7" name="화살표: 오른쪽 6">
             <a:extLst>
               <a:ext uri="{FF2B5EF4-FFF2-40B4-BE49-F238E27FC236}">
-                <a16:creationId xmlns:a16="http://schemas.microsoft.com/office/drawing/2014/main" xmlns="" id="{377F6EB9-04DD-E48B-35F4-1FDC8C656B50}"/>
+                <a16:creationId xmlns:a16="http://schemas.microsoft.com/office/drawing/2014/main" id="{377F6EB9-04DD-E48B-35F4-1FDC8C656B50}"/>
               </a:ext>
             </a:extLst>
           </p:cNvPr>
@@ -9544,7 +9488,7 @@
           <p:cNvPr id="8" name="TextBox 7">
             <a:extLst>
               <a:ext uri="{FF2B5EF4-FFF2-40B4-BE49-F238E27FC236}">
-                <a16:creationId xmlns:a16="http://schemas.microsoft.com/office/drawing/2014/main" xmlns="" id="{9EACEF18-3773-C1E3-C895-16E79BA820EE}"/>
+                <a16:creationId xmlns:a16="http://schemas.microsoft.com/office/drawing/2014/main" id="{9EACEF18-3773-C1E3-C895-16E79BA820EE}"/>
               </a:ext>
             </a:extLst>
           </p:cNvPr>
